--- a/2019/python/day3-review.pptx
+++ b/2019/python/day3-review.pptx
@@ -118,7 +118,7 @@
   </p:defaultTextStyle>
   <p:extLst>
     <p:ext uri="{EFAFB233-063F-42B5-8137-9DF3F51BA10A}">
-      <p15:sldGuideLst xmlns:p15="http://schemas.microsoft.com/office/powerpoint/2012/main" xmlns="">
+      <p15:sldGuideLst xmlns="" xmlns:p15="http://schemas.microsoft.com/office/powerpoint/2012/main">
         <p15:guide id="1" orient="horz" pos="2160">
           <p15:clr>
             <a:srgbClr val="A4A3A4"/>
@@ -217,7 +217,7 @@
           <a:p>
             <a:fld id="{7E606E04-4287-FC46-B3F7-13FA665EE46E}" type="datetimeFigureOut">
               <a:rPr lang="en-US" smtClean="0"/>
-              <a:t>6/7/18</a:t>
+              <a:t>6/1/19</a:t>
             </a:fld>
             <a:endParaRPr lang="en-US"/>
           </a:p>
@@ -1662,7 +1662,7 @@
           <a:p>
             <a:fld id="{7D246241-80F5-AC42-BC66-87EE2513DBA4}" type="datetimeFigureOut">
               <a:rPr lang="en-US" smtClean="0"/>
-              <a:t>6/7/18</a:t>
+              <a:t>6/1/19</a:t>
             </a:fld>
             <a:endParaRPr lang="en-US"/>
           </a:p>
@@ -1832,7 +1832,7 @@
           <a:p>
             <a:fld id="{7D246241-80F5-AC42-BC66-87EE2513DBA4}" type="datetimeFigureOut">
               <a:rPr lang="en-US" smtClean="0"/>
-              <a:t>6/7/18</a:t>
+              <a:t>6/1/19</a:t>
             </a:fld>
             <a:endParaRPr lang="en-US"/>
           </a:p>
@@ -2012,7 +2012,7 @@
           <a:p>
             <a:fld id="{7D246241-80F5-AC42-BC66-87EE2513DBA4}" type="datetimeFigureOut">
               <a:rPr lang="en-US" smtClean="0"/>
-              <a:t>6/7/18</a:t>
+              <a:t>6/1/19</a:t>
             </a:fld>
             <a:endParaRPr lang="en-US"/>
           </a:p>
@@ -2487,7 +2487,7 @@
           <a:p>
             <a:fld id="{7D246241-80F5-AC42-BC66-87EE2513DBA4}" type="datetimeFigureOut">
               <a:rPr lang="en-US" smtClean="0"/>
-              <a:t>6/7/18</a:t>
+              <a:t>6/1/19</a:t>
             </a:fld>
             <a:endParaRPr lang="en-US"/>
           </a:p>
@@ -2733,7 +2733,7 @@
           <a:p>
             <a:fld id="{7D246241-80F5-AC42-BC66-87EE2513DBA4}" type="datetimeFigureOut">
               <a:rPr lang="en-US" smtClean="0"/>
-              <a:t>6/7/18</a:t>
+              <a:t>6/1/19</a:t>
             </a:fld>
             <a:endParaRPr lang="en-US"/>
           </a:p>
@@ -3021,7 +3021,7 @@
           <a:p>
             <a:fld id="{7D246241-80F5-AC42-BC66-87EE2513DBA4}" type="datetimeFigureOut">
               <a:rPr lang="en-US" smtClean="0"/>
-              <a:t>6/7/18</a:t>
+              <a:t>6/1/19</a:t>
             </a:fld>
             <a:endParaRPr lang="en-US"/>
           </a:p>
@@ -3443,7 +3443,7 @@
           <a:p>
             <a:fld id="{7D246241-80F5-AC42-BC66-87EE2513DBA4}" type="datetimeFigureOut">
               <a:rPr lang="en-US" smtClean="0"/>
-              <a:t>6/7/18</a:t>
+              <a:t>6/1/19</a:t>
             </a:fld>
             <a:endParaRPr lang="en-US"/>
           </a:p>
@@ -3561,7 +3561,7 @@
           <a:p>
             <a:fld id="{7D246241-80F5-AC42-BC66-87EE2513DBA4}" type="datetimeFigureOut">
               <a:rPr lang="en-US" smtClean="0"/>
-              <a:t>6/7/18</a:t>
+              <a:t>6/1/19</a:t>
             </a:fld>
             <a:endParaRPr lang="en-US"/>
           </a:p>
@@ -3656,7 +3656,7 @@
           <a:p>
             <a:fld id="{7D246241-80F5-AC42-BC66-87EE2513DBA4}" type="datetimeFigureOut">
               <a:rPr lang="en-US" smtClean="0"/>
-              <a:t>6/7/18</a:t>
+              <a:t>6/1/19</a:t>
             </a:fld>
             <a:endParaRPr lang="en-US"/>
           </a:p>
@@ -3933,7 +3933,7 @@
           <a:p>
             <a:fld id="{7D246241-80F5-AC42-BC66-87EE2513DBA4}" type="datetimeFigureOut">
               <a:rPr lang="en-US" smtClean="0"/>
-              <a:t>6/7/18</a:t>
+              <a:t>6/1/19</a:t>
             </a:fld>
             <a:endParaRPr lang="en-US"/>
           </a:p>
@@ -4186,7 +4186,7 @@
           <a:p>
             <a:fld id="{7D246241-80F5-AC42-BC66-87EE2513DBA4}" type="datetimeFigureOut">
               <a:rPr lang="en-US" smtClean="0"/>
-              <a:t>6/7/18</a:t>
+              <a:t>6/1/19</a:t>
             </a:fld>
             <a:endParaRPr lang="en-US"/>
           </a:p>
@@ -4399,7 +4399,7 @@
           <a:p>
             <a:fld id="{7D246241-80F5-AC42-BC66-87EE2513DBA4}" type="datetimeFigureOut">
               <a:rPr lang="en-US" smtClean="0"/>
-              <a:t>6/7/18</a:t>
+              <a:t>6/1/19</a:t>
             </a:fld>
             <a:endParaRPr lang="en-US"/>
           </a:p>

--- a/2019/python/day3-review.pptx
+++ b/2019/python/day3-review.pptx
@@ -118,7 +118,7 @@
   </p:defaultTextStyle>
   <p:extLst>
     <p:ext uri="{EFAFB233-063F-42B5-8137-9DF3F51BA10A}">
-      <p15:sldGuideLst xmlns="" xmlns:p15="http://schemas.microsoft.com/office/powerpoint/2012/main">
+      <p15:sldGuideLst xmlns:p15="http://schemas.microsoft.com/office/powerpoint/2012/main" xmlns="">
         <p15:guide id="1" orient="horz" pos="2160">
           <p15:clr>
             <a:srgbClr val="A4A3A4"/>
@@ -217,7 +217,7 @@
           <a:p>
             <a:fld id="{7E606E04-4287-FC46-B3F7-13FA665EE46E}" type="datetimeFigureOut">
               <a:rPr lang="en-US" smtClean="0"/>
-              <a:t>6/1/19</a:t>
+              <a:t>6/6/19</a:t>
             </a:fld>
             <a:endParaRPr lang="en-US"/>
           </a:p>
@@ -1662,7 +1662,7 @@
           <a:p>
             <a:fld id="{7D246241-80F5-AC42-BC66-87EE2513DBA4}" type="datetimeFigureOut">
               <a:rPr lang="en-US" smtClean="0"/>
-              <a:t>6/1/19</a:t>
+              <a:t>6/6/19</a:t>
             </a:fld>
             <a:endParaRPr lang="en-US"/>
           </a:p>
@@ -1832,7 +1832,7 @@
           <a:p>
             <a:fld id="{7D246241-80F5-AC42-BC66-87EE2513DBA4}" type="datetimeFigureOut">
               <a:rPr lang="en-US" smtClean="0"/>
-              <a:t>6/1/19</a:t>
+              <a:t>6/6/19</a:t>
             </a:fld>
             <a:endParaRPr lang="en-US"/>
           </a:p>
@@ -2012,7 +2012,7 @@
           <a:p>
             <a:fld id="{7D246241-80F5-AC42-BC66-87EE2513DBA4}" type="datetimeFigureOut">
               <a:rPr lang="en-US" smtClean="0"/>
-              <a:t>6/1/19</a:t>
+              <a:t>6/6/19</a:t>
             </a:fld>
             <a:endParaRPr lang="en-US"/>
           </a:p>
@@ -2487,7 +2487,7 @@
           <a:p>
             <a:fld id="{7D246241-80F5-AC42-BC66-87EE2513DBA4}" type="datetimeFigureOut">
               <a:rPr lang="en-US" smtClean="0"/>
-              <a:t>6/1/19</a:t>
+              <a:t>6/6/19</a:t>
             </a:fld>
             <a:endParaRPr lang="en-US"/>
           </a:p>
@@ -2733,7 +2733,7 @@
           <a:p>
             <a:fld id="{7D246241-80F5-AC42-BC66-87EE2513DBA4}" type="datetimeFigureOut">
               <a:rPr lang="en-US" smtClean="0"/>
-              <a:t>6/1/19</a:t>
+              <a:t>6/6/19</a:t>
             </a:fld>
             <a:endParaRPr lang="en-US"/>
           </a:p>
@@ -3021,7 +3021,7 @@
           <a:p>
             <a:fld id="{7D246241-80F5-AC42-BC66-87EE2513DBA4}" type="datetimeFigureOut">
               <a:rPr lang="en-US" smtClean="0"/>
-              <a:t>6/1/19</a:t>
+              <a:t>6/6/19</a:t>
             </a:fld>
             <a:endParaRPr lang="en-US"/>
           </a:p>
@@ -3443,7 +3443,7 @@
           <a:p>
             <a:fld id="{7D246241-80F5-AC42-BC66-87EE2513DBA4}" type="datetimeFigureOut">
               <a:rPr lang="en-US" smtClean="0"/>
-              <a:t>6/1/19</a:t>
+              <a:t>6/6/19</a:t>
             </a:fld>
             <a:endParaRPr lang="en-US"/>
           </a:p>
@@ -3561,7 +3561,7 @@
           <a:p>
             <a:fld id="{7D246241-80F5-AC42-BC66-87EE2513DBA4}" type="datetimeFigureOut">
               <a:rPr lang="en-US" smtClean="0"/>
-              <a:t>6/1/19</a:t>
+              <a:t>6/6/19</a:t>
             </a:fld>
             <a:endParaRPr lang="en-US"/>
           </a:p>
@@ -3656,7 +3656,7 @@
           <a:p>
             <a:fld id="{7D246241-80F5-AC42-BC66-87EE2513DBA4}" type="datetimeFigureOut">
               <a:rPr lang="en-US" smtClean="0"/>
-              <a:t>6/1/19</a:t>
+              <a:t>6/6/19</a:t>
             </a:fld>
             <a:endParaRPr lang="en-US"/>
           </a:p>
@@ -3933,7 +3933,7 @@
           <a:p>
             <a:fld id="{7D246241-80F5-AC42-BC66-87EE2513DBA4}" type="datetimeFigureOut">
               <a:rPr lang="en-US" smtClean="0"/>
-              <a:t>6/1/19</a:t>
+              <a:t>6/6/19</a:t>
             </a:fld>
             <a:endParaRPr lang="en-US"/>
           </a:p>
@@ -4186,7 +4186,7 @@
           <a:p>
             <a:fld id="{7D246241-80F5-AC42-BC66-87EE2513DBA4}" type="datetimeFigureOut">
               <a:rPr lang="en-US" smtClean="0"/>
-              <a:t>6/1/19</a:t>
+              <a:t>6/6/19</a:t>
             </a:fld>
             <a:endParaRPr lang="en-US"/>
           </a:p>
@@ -4399,7 +4399,7 @@
           <a:p>
             <a:fld id="{7D246241-80F5-AC42-BC66-87EE2513DBA4}" type="datetimeFigureOut">
               <a:rPr lang="en-US" smtClean="0"/>
-              <a:t>6/1/19</a:t>
+              <a:t>6/6/19</a:t>
             </a:fld>
             <a:endParaRPr lang="en-US"/>
           </a:p>
@@ -6193,29 +6193,13 @@
             </a:pPr>
             <a:r>
               <a:rPr lang="en-US" dirty="0"/>
-              <a:t>Discuss anything you want</a:t>
-            </a:r>
-          </a:p>
-          <a:p>
-            <a:pPr marL="457200" lvl="0" indent="-419100" rtl="0">
-              <a:lnSpc>
-                <a:spcPct val="130000"/>
-              </a:lnSpc>
-              <a:spcBef>
-                <a:spcPts val="0"/>
-              </a:spcBef>
-              <a:buClr>
-                <a:schemeClr val="dk1"/>
-              </a:buClr>
-              <a:buSzPct val="100000"/>
-              <a:buFont typeface="Arial"/>
-              <a:buChar char="●"/>
-            </a:pPr>
-            <a:r>
-              <a:rPr lang="en-US" dirty="0"/>
-              <a:t>Install on your own laptops</a:t>
-            </a:r>
-            <a:endParaRPr lang="en-US" dirty="0" smtClean="0"/>
+              <a:t>Discuss anything you </a:t>
+            </a:r>
+            <a:r>
+              <a:rPr lang="en-US" dirty="0" smtClean="0"/>
+              <a:t>want</a:t>
+            </a:r>
+            <a:endParaRPr lang="en-US" dirty="0"/>
           </a:p>
         </p:txBody>
       </p:sp>

--- a/2019/python/day3-review.pptx
+++ b/2019/python/day3-review.pptx
@@ -5,7 +5,7 @@
     <p:sldMasterId id="2147483648" r:id="rId1"/>
   </p:sldMasterIdLst>
   <p:notesMasterIdLst>
-    <p:notesMasterId r:id="rId12"/>
+    <p:notesMasterId r:id="rId16"/>
   </p:notesMasterIdLst>
   <p:sldIdLst>
     <p:sldId id="257" r:id="rId2"/>
@@ -18,6 +18,10 @@
     <p:sldId id="259" r:id="rId9"/>
     <p:sldId id="260" r:id="rId10"/>
     <p:sldId id="261" r:id="rId11"/>
+    <p:sldId id="270" r:id="rId12"/>
+    <p:sldId id="271" r:id="rId13"/>
+    <p:sldId id="272" r:id="rId14"/>
+    <p:sldId id="274" r:id="rId15"/>
   </p:sldIdLst>
   <p:sldSz cx="9144000" cy="6858000" type="screen4x3"/>
   <p:notesSz cx="6858000" cy="9144000"/>
@@ -118,7 +122,7 @@
   </p:defaultTextStyle>
   <p:extLst>
     <p:ext uri="{EFAFB233-063F-42B5-8137-9DF3F51BA10A}">
-      <p15:sldGuideLst xmlns:p15="http://schemas.microsoft.com/office/powerpoint/2012/main" xmlns="">
+      <p15:sldGuideLst xmlns:p15="http://schemas.microsoft.com/office/powerpoint/2012/main">
         <p15:guide id="1" orient="horz" pos="2160">
           <p15:clr>
             <a:srgbClr val="A4A3A4"/>
@@ -217,7 +221,7 @@
           <a:p>
             <a:fld id="{7E606E04-4287-FC46-B3F7-13FA665EE46E}" type="datetimeFigureOut">
               <a:rPr lang="en-US" smtClean="0"/>
-              <a:t>6/6/19</a:t>
+              <a:t>6/6/2019</a:t>
             </a:fld>
             <a:endParaRPr lang="en-US"/>
           </a:p>
@@ -596,7 +600,7 @@
 </p:notes>
 </file>
 
-<file path=ppt/notesSlides/notesSlide2.xml><?xml version="1.0" encoding="utf-8"?>
+<file path=ppt/notesSlides/notesSlide10.xml><?xml version="1.0" encoding="utf-8"?>
 <p:notes xmlns:a="http://schemas.openxmlformats.org/drawingml/2006/main" xmlns:r="http://schemas.openxmlformats.org/officeDocument/2006/relationships" xmlns:p="http://schemas.openxmlformats.org/presentationml/2006/main" showMasterSp="0" showMasterPhAnim="0">
   <p:cSld>
     <p:spTree>
@@ -702,7 +706,7 @@
     </p:spTree>
     <p:extLst>
       <p:ext uri="{BB962C8B-B14F-4D97-AF65-F5344CB8AC3E}">
-        <p14:creationId xmlns:p14="http://schemas.microsoft.com/office/powerpoint/2010/main" val="138821827"/>
+        <p14:creationId xmlns:p14="http://schemas.microsoft.com/office/powerpoint/2010/main" val="837550366"/>
       </p:ext>
     </p:extLst>
   </p:cSld>
@@ -712,7 +716,7 @@
 </p:notes>
 </file>
 
-<file path=ppt/notesSlides/notesSlide3.xml><?xml version="1.0" encoding="utf-8"?>
+<file path=ppt/notesSlides/notesSlide11.xml><?xml version="1.0" encoding="utf-8"?>
 <p:notes xmlns:a="http://schemas.openxmlformats.org/drawingml/2006/main" xmlns:r="http://schemas.openxmlformats.org/officeDocument/2006/relationships" xmlns:p="http://schemas.openxmlformats.org/presentationml/2006/main" showMasterSp="0" showMasterPhAnim="0">
   <p:cSld>
     <p:spTree>
@@ -818,7 +822,7 @@
     </p:spTree>
     <p:extLst>
       <p:ext uri="{BB962C8B-B14F-4D97-AF65-F5344CB8AC3E}">
-        <p14:creationId xmlns:p14="http://schemas.microsoft.com/office/powerpoint/2010/main" val="2189643892"/>
+        <p14:creationId xmlns:p14="http://schemas.microsoft.com/office/powerpoint/2010/main" val="148566609"/>
       </p:ext>
     </p:extLst>
   </p:cSld>
@@ -828,7 +832,7 @@
 </p:notes>
 </file>
 
-<file path=ppt/notesSlides/notesSlide4.xml><?xml version="1.0" encoding="utf-8"?>
+<file path=ppt/notesSlides/notesSlide12.xml><?xml version="1.0" encoding="utf-8"?>
 <p:notes xmlns:a="http://schemas.openxmlformats.org/drawingml/2006/main" xmlns:r="http://schemas.openxmlformats.org/officeDocument/2006/relationships" xmlns:p="http://schemas.openxmlformats.org/presentationml/2006/main" showMasterSp="0" showMasterPhAnim="0">
   <p:cSld>
     <p:spTree>
@@ -934,7 +938,7 @@
     </p:spTree>
     <p:extLst>
       <p:ext uri="{BB962C8B-B14F-4D97-AF65-F5344CB8AC3E}">
-        <p14:creationId xmlns:p14="http://schemas.microsoft.com/office/powerpoint/2010/main" val="3046462791"/>
+        <p14:creationId xmlns:p14="http://schemas.microsoft.com/office/powerpoint/2010/main" val="3760605020"/>
       </p:ext>
     </p:extLst>
   </p:cSld>
@@ -944,7 +948,7 @@
 </p:notes>
 </file>
 
-<file path=ppt/notesSlides/notesSlide5.xml><?xml version="1.0" encoding="utf-8"?>
+<file path=ppt/notesSlides/notesSlide13.xml><?xml version="1.0" encoding="utf-8"?>
 <p:notes xmlns:a="http://schemas.openxmlformats.org/drawingml/2006/main" xmlns:r="http://schemas.openxmlformats.org/officeDocument/2006/relationships" xmlns:p="http://schemas.openxmlformats.org/presentationml/2006/main" showMasterSp="0" showMasterPhAnim="0">
   <p:cSld>
     <p:spTree>
@@ -1050,7 +1054,7 @@
     </p:spTree>
     <p:extLst>
       <p:ext uri="{BB962C8B-B14F-4D97-AF65-F5344CB8AC3E}">
-        <p14:creationId xmlns:p14="http://schemas.microsoft.com/office/powerpoint/2010/main" val="1764306385"/>
+        <p14:creationId xmlns:p14="http://schemas.microsoft.com/office/powerpoint/2010/main" val="2055392123"/>
       </p:ext>
     </p:extLst>
   </p:cSld>
@@ -1060,95 +1064,7 @@
 </p:notes>
 </file>
 
-<file path=ppt/notesSlides/notesSlide6.xml><?xml version="1.0" encoding="utf-8"?>
-<p:notes xmlns:a="http://schemas.openxmlformats.org/drawingml/2006/main" xmlns:r="http://schemas.openxmlformats.org/officeDocument/2006/relationships" xmlns:p="http://schemas.openxmlformats.org/presentationml/2006/main">
-  <p:cSld>
-    <p:spTree>
-      <p:nvGrpSpPr>
-        <p:cNvPr id="1" name=""/>
-        <p:cNvGrpSpPr/>
-        <p:nvPr/>
-      </p:nvGrpSpPr>
-      <p:grpSpPr>
-        <a:xfrm>
-          <a:off x="0" y="0"/>
-          <a:ext cx="0" cy="0"/>
-          <a:chOff x="0" y="0"/>
-          <a:chExt cx="0" cy="0"/>
-        </a:xfrm>
-      </p:grpSpPr>
-      <p:sp>
-        <p:nvSpPr>
-          <p:cNvPr id="2" name="Slide Image Placeholder 1"/>
-          <p:cNvSpPr>
-            <a:spLocks noGrp="1" noRot="1" noChangeAspect="1"/>
-          </p:cNvSpPr>
-          <p:nvPr>
-            <p:ph type="sldImg"/>
-          </p:nvPr>
-        </p:nvSpPr>
-        <p:spPr/>
-      </p:sp>
-      <p:sp>
-        <p:nvSpPr>
-          <p:cNvPr id="3" name="Notes Placeholder 2"/>
-          <p:cNvSpPr>
-            <a:spLocks noGrp="1"/>
-          </p:cNvSpPr>
-          <p:nvPr>
-            <p:ph type="body" idx="1"/>
-          </p:nvPr>
-        </p:nvSpPr>
-        <p:spPr/>
-        <p:txBody>
-          <a:bodyPr/>
-          <a:lstStyle/>
-          <a:p>
-            <a:r>
-              <a:rPr lang="en-US" smtClean="0"/>
-              <a:t>PAY IT FORWARD</a:t>
-            </a:r>
-            <a:endParaRPr lang="en-US"/>
-          </a:p>
-        </p:txBody>
-      </p:sp>
-      <p:sp>
-        <p:nvSpPr>
-          <p:cNvPr id="4" name="Slide Number Placeholder 3"/>
-          <p:cNvSpPr>
-            <a:spLocks noGrp="1"/>
-          </p:cNvSpPr>
-          <p:nvPr>
-            <p:ph type="sldNum" sz="quarter" idx="10"/>
-          </p:nvPr>
-        </p:nvSpPr>
-        <p:spPr/>
-        <p:txBody>
-          <a:bodyPr/>
-          <a:lstStyle/>
-          <a:p>
-            <a:fld id="{47510E77-FC52-4747-BB0B-6F848EB8C17D}" type="slidenum">
-              <a:rPr lang="en-US" smtClean="0"/>
-              <a:t>7</a:t>
-            </a:fld>
-            <a:endParaRPr lang="en-US"/>
-          </a:p>
-        </p:txBody>
-      </p:sp>
-    </p:spTree>
-    <p:extLst>
-      <p:ext uri="{BB962C8B-B14F-4D97-AF65-F5344CB8AC3E}">
-        <p14:creationId xmlns:p14="http://schemas.microsoft.com/office/powerpoint/2010/main" val="3151027850"/>
-      </p:ext>
-    </p:extLst>
-  </p:cSld>
-  <p:clrMapOvr>
-    <a:masterClrMapping/>
-  </p:clrMapOvr>
-</p:notes>
-</file>
-
-<file path=ppt/notesSlides/notesSlide7.xml><?xml version="1.0" encoding="utf-8"?>
+<file path=ppt/notesSlides/notesSlide2.xml><?xml version="1.0" encoding="utf-8"?>
 <p:notes xmlns:a="http://schemas.openxmlformats.org/drawingml/2006/main" xmlns:r="http://schemas.openxmlformats.org/officeDocument/2006/relationships" xmlns:p="http://schemas.openxmlformats.org/presentationml/2006/main" showMasterSp="0" showMasterPhAnim="0">
   <p:cSld>
     <p:spTree>
@@ -1252,6 +1168,11 @@
         </p:txBody>
       </p:sp>
     </p:spTree>
+    <p:extLst>
+      <p:ext uri="{BB962C8B-B14F-4D97-AF65-F5344CB8AC3E}">
+        <p14:creationId xmlns:p14="http://schemas.microsoft.com/office/powerpoint/2010/main" val="138821827"/>
+      </p:ext>
+    </p:extLst>
   </p:cSld>
   <p:clrMapOvr>
     <a:masterClrMapping/>
@@ -1259,7 +1180,7 @@
 </p:notes>
 </file>
 
-<file path=ppt/notesSlides/notesSlide8.xml><?xml version="1.0" encoding="utf-8"?>
+<file path=ppt/notesSlides/notesSlide3.xml><?xml version="1.0" encoding="utf-8"?>
 <p:notes xmlns:a="http://schemas.openxmlformats.org/drawingml/2006/main" xmlns:r="http://schemas.openxmlformats.org/officeDocument/2006/relationships" xmlns:p="http://schemas.openxmlformats.org/presentationml/2006/main" showMasterSp="0" showMasterPhAnim="0">
   <p:cSld>
     <p:spTree>
@@ -1363,6 +1284,11 @@
         </p:txBody>
       </p:sp>
     </p:spTree>
+    <p:extLst>
+      <p:ext uri="{BB962C8B-B14F-4D97-AF65-F5344CB8AC3E}">
+        <p14:creationId xmlns:p14="http://schemas.microsoft.com/office/powerpoint/2010/main" val="2189643892"/>
+      </p:ext>
+    </p:extLst>
   </p:cSld>
   <p:clrMapOvr>
     <a:masterClrMapping/>
@@ -1370,7 +1296,7 @@
 </p:notes>
 </file>
 
-<file path=ppt/notesSlides/notesSlide9.xml><?xml version="1.0" encoding="utf-8"?>
+<file path=ppt/notesSlides/notesSlide4.xml><?xml version="1.0" encoding="utf-8"?>
 <p:notes xmlns:a="http://schemas.openxmlformats.org/drawingml/2006/main" xmlns:r="http://schemas.openxmlformats.org/officeDocument/2006/relationships" xmlns:p="http://schemas.openxmlformats.org/presentationml/2006/main" showMasterSp="0" showMasterPhAnim="0">
   <p:cSld>
     <p:spTree>
@@ -1474,6 +1400,548 @@
         </p:txBody>
       </p:sp>
     </p:spTree>
+    <p:extLst>
+      <p:ext uri="{BB962C8B-B14F-4D97-AF65-F5344CB8AC3E}">
+        <p14:creationId xmlns:p14="http://schemas.microsoft.com/office/powerpoint/2010/main" val="3046462791"/>
+      </p:ext>
+    </p:extLst>
+  </p:cSld>
+  <p:clrMapOvr>
+    <a:masterClrMapping/>
+  </p:clrMapOvr>
+</p:notes>
+</file>
+
+<file path=ppt/notesSlides/notesSlide5.xml><?xml version="1.0" encoding="utf-8"?>
+<p:notes xmlns:a="http://schemas.openxmlformats.org/drawingml/2006/main" xmlns:r="http://schemas.openxmlformats.org/officeDocument/2006/relationships" xmlns:p="http://schemas.openxmlformats.org/presentationml/2006/main" showMasterSp="0" showMasterPhAnim="0">
+  <p:cSld>
+    <p:spTree>
+      <p:nvGrpSpPr>
+        <p:cNvPr id="1" name="Shape 31"/>
+        <p:cNvGrpSpPr/>
+        <p:nvPr/>
+      </p:nvGrpSpPr>
+      <p:grpSpPr>
+        <a:xfrm>
+          <a:off x="0" y="0"/>
+          <a:ext cx="0" cy="0"/>
+          <a:chOff x="0" y="0"/>
+          <a:chExt cx="0" cy="0"/>
+        </a:xfrm>
+      </p:grpSpPr>
+      <p:sp>
+        <p:nvSpPr>
+          <p:cNvPr id="32" name="Shape 32"/>
+          <p:cNvSpPr>
+            <a:spLocks noGrp="1" noRot="1" noChangeAspect="1"/>
+          </p:cNvSpPr>
+          <p:nvPr>
+            <p:ph type="sldImg" idx="2"/>
+          </p:nvPr>
+        </p:nvSpPr>
+        <p:spPr>
+          <a:xfrm>
+            <a:off x="1143000" y="685800"/>
+            <a:ext cx="4572000" cy="3429000"/>
+          </a:xfrm>
+          <a:custGeom>
+            <a:avLst/>
+            <a:gdLst/>
+            <a:ahLst/>
+            <a:cxnLst/>
+            <a:rect l="0" t="0" r="0" b="0"/>
+            <a:pathLst>
+              <a:path w="120000" h="120000" extrusionOk="0">
+                <a:moveTo>
+                  <a:pt x="0" y="0"/>
+                </a:moveTo>
+                <a:lnTo>
+                  <a:pt x="120000" y="0"/>
+                </a:lnTo>
+                <a:lnTo>
+                  <a:pt x="120000" y="120000"/>
+                </a:lnTo>
+                <a:lnTo>
+                  <a:pt x="0" y="120000"/>
+                </a:lnTo>
+                <a:close/>
+              </a:path>
+            </a:pathLst>
+          </a:custGeom>
+          <a:noFill/>
+          <a:ln w="9525" cap="flat">
+            <a:solidFill>
+              <a:srgbClr val="000000"/>
+            </a:solidFill>
+            <a:prstDash val="solid"/>
+            <a:round/>
+            <a:headEnd type="none" w="med" len="med"/>
+            <a:tailEnd type="none" w="med" len="med"/>
+          </a:ln>
+        </p:spPr>
+      </p:sp>
+      <p:sp>
+        <p:nvSpPr>
+          <p:cNvPr id="33" name="Shape 33"/>
+          <p:cNvSpPr txBox="1">
+            <a:spLocks noGrp="1"/>
+          </p:cNvSpPr>
+          <p:nvPr>
+            <p:ph type="body" idx="1"/>
+          </p:nvPr>
+        </p:nvSpPr>
+        <p:spPr>
+          <a:xfrm>
+            <a:off x="685800" y="4343400"/>
+            <a:ext cx="5486399" cy="4114800"/>
+          </a:xfrm>
+          <a:prstGeom prst="rect">
+            <a:avLst/>
+          </a:prstGeom>
+        </p:spPr>
+        <p:txBody>
+          <a:bodyPr lIns="91425" tIns="91425" rIns="91425" bIns="91425" anchor="t" anchorCtr="0">
+            <a:noAutofit/>
+          </a:bodyPr>
+          <a:lstStyle/>
+          <a:p>
+            <a:pPr>
+              <a:spcBef>
+                <a:spcPts val="0"/>
+              </a:spcBef>
+              <a:buNone/>
+            </a:pPr>
+            <a:endParaRPr/>
+          </a:p>
+        </p:txBody>
+      </p:sp>
+    </p:spTree>
+    <p:extLst>
+      <p:ext uri="{BB962C8B-B14F-4D97-AF65-F5344CB8AC3E}">
+        <p14:creationId xmlns:p14="http://schemas.microsoft.com/office/powerpoint/2010/main" val="1764306385"/>
+      </p:ext>
+    </p:extLst>
+  </p:cSld>
+  <p:clrMapOvr>
+    <a:masterClrMapping/>
+  </p:clrMapOvr>
+</p:notes>
+</file>
+
+<file path=ppt/notesSlides/notesSlide6.xml><?xml version="1.0" encoding="utf-8"?>
+<p:notes xmlns:a="http://schemas.openxmlformats.org/drawingml/2006/main" xmlns:r="http://schemas.openxmlformats.org/officeDocument/2006/relationships" xmlns:p="http://schemas.openxmlformats.org/presentationml/2006/main">
+  <p:cSld>
+    <p:spTree>
+      <p:nvGrpSpPr>
+        <p:cNvPr id="1" name=""/>
+        <p:cNvGrpSpPr/>
+        <p:nvPr/>
+      </p:nvGrpSpPr>
+      <p:grpSpPr>
+        <a:xfrm>
+          <a:off x="0" y="0"/>
+          <a:ext cx="0" cy="0"/>
+          <a:chOff x="0" y="0"/>
+          <a:chExt cx="0" cy="0"/>
+        </a:xfrm>
+      </p:grpSpPr>
+      <p:sp>
+        <p:nvSpPr>
+          <p:cNvPr id="2" name="Slide Image Placeholder 1"/>
+          <p:cNvSpPr>
+            <a:spLocks noGrp="1" noRot="1" noChangeAspect="1"/>
+          </p:cNvSpPr>
+          <p:nvPr>
+            <p:ph type="sldImg"/>
+          </p:nvPr>
+        </p:nvSpPr>
+        <p:spPr/>
+      </p:sp>
+      <p:sp>
+        <p:nvSpPr>
+          <p:cNvPr id="3" name="Notes Placeholder 2"/>
+          <p:cNvSpPr>
+            <a:spLocks noGrp="1"/>
+          </p:cNvSpPr>
+          <p:nvPr>
+            <p:ph type="body" idx="1"/>
+          </p:nvPr>
+        </p:nvSpPr>
+        <p:spPr/>
+        <p:txBody>
+          <a:bodyPr/>
+          <a:lstStyle/>
+          <a:p>
+            <a:r>
+              <a:rPr lang="en-US" smtClean="0"/>
+              <a:t>PAY IT FORWARD</a:t>
+            </a:r>
+            <a:endParaRPr lang="en-US"/>
+          </a:p>
+        </p:txBody>
+      </p:sp>
+      <p:sp>
+        <p:nvSpPr>
+          <p:cNvPr id="4" name="Slide Number Placeholder 3"/>
+          <p:cNvSpPr>
+            <a:spLocks noGrp="1"/>
+          </p:cNvSpPr>
+          <p:nvPr>
+            <p:ph type="sldNum" sz="quarter" idx="10"/>
+          </p:nvPr>
+        </p:nvSpPr>
+        <p:spPr/>
+        <p:txBody>
+          <a:bodyPr/>
+          <a:lstStyle/>
+          <a:p>
+            <a:fld id="{47510E77-FC52-4747-BB0B-6F848EB8C17D}" type="slidenum">
+              <a:rPr lang="en-US" smtClean="0"/>
+              <a:t>7</a:t>
+            </a:fld>
+            <a:endParaRPr lang="en-US"/>
+          </a:p>
+        </p:txBody>
+      </p:sp>
+    </p:spTree>
+    <p:extLst>
+      <p:ext uri="{BB962C8B-B14F-4D97-AF65-F5344CB8AC3E}">
+        <p14:creationId xmlns:p14="http://schemas.microsoft.com/office/powerpoint/2010/main" val="3151027850"/>
+      </p:ext>
+    </p:extLst>
+  </p:cSld>
+  <p:clrMapOvr>
+    <a:masterClrMapping/>
+  </p:clrMapOvr>
+</p:notes>
+</file>
+
+<file path=ppt/notesSlides/notesSlide7.xml><?xml version="1.0" encoding="utf-8"?>
+<p:notes xmlns:a="http://schemas.openxmlformats.org/drawingml/2006/main" xmlns:r="http://schemas.openxmlformats.org/officeDocument/2006/relationships" xmlns:p="http://schemas.openxmlformats.org/presentationml/2006/main" showMasterSp="0" showMasterPhAnim="0">
+  <p:cSld>
+    <p:spTree>
+      <p:nvGrpSpPr>
+        <p:cNvPr id="1" name="Shape 31"/>
+        <p:cNvGrpSpPr/>
+        <p:nvPr/>
+      </p:nvGrpSpPr>
+      <p:grpSpPr>
+        <a:xfrm>
+          <a:off x="0" y="0"/>
+          <a:ext cx="0" cy="0"/>
+          <a:chOff x="0" y="0"/>
+          <a:chExt cx="0" cy="0"/>
+        </a:xfrm>
+      </p:grpSpPr>
+      <p:sp>
+        <p:nvSpPr>
+          <p:cNvPr id="32" name="Shape 32"/>
+          <p:cNvSpPr>
+            <a:spLocks noGrp="1" noRot="1" noChangeAspect="1"/>
+          </p:cNvSpPr>
+          <p:nvPr>
+            <p:ph type="sldImg" idx="2"/>
+          </p:nvPr>
+        </p:nvSpPr>
+        <p:spPr>
+          <a:xfrm>
+            <a:off x="1143000" y="685800"/>
+            <a:ext cx="4572000" cy="3429000"/>
+          </a:xfrm>
+          <a:custGeom>
+            <a:avLst/>
+            <a:gdLst/>
+            <a:ahLst/>
+            <a:cxnLst/>
+            <a:rect l="0" t="0" r="0" b="0"/>
+            <a:pathLst>
+              <a:path w="120000" h="120000" extrusionOk="0">
+                <a:moveTo>
+                  <a:pt x="0" y="0"/>
+                </a:moveTo>
+                <a:lnTo>
+                  <a:pt x="120000" y="0"/>
+                </a:lnTo>
+                <a:lnTo>
+                  <a:pt x="120000" y="120000"/>
+                </a:lnTo>
+                <a:lnTo>
+                  <a:pt x="0" y="120000"/>
+                </a:lnTo>
+                <a:close/>
+              </a:path>
+            </a:pathLst>
+          </a:custGeom>
+          <a:noFill/>
+          <a:ln w="9525" cap="flat">
+            <a:solidFill>
+              <a:srgbClr val="000000"/>
+            </a:solidFill>
+            <a:prstDash val="solid"/>
+            <a:round/>
+            <a:headEnd type="none" w="med" len="med"/>
+            <a:tailEnd type="none" w="med" len="med"/>
+          </a:ln>
+        </p:spPr>
+      </p:sp>
+      <p:sp>
+        <p:nvSpPr>
+          <p:cNvPr id="33" name="Shape 33"/>
+          <p:cNvSpPr txBox="1">
+            <a:spLocks noGrp="1"/>
+          </p:cNvSpPr>
+          <p:nvPr>
+            <p:ph type="body" idx="1"/>
+          </p:nvPr>
+        </p:nvSpPr>
+        <p:spPr>
+          <a:xfrm>
+            <a:off x="685800" y="4343400"/>
+            <a:ext cx="5486399" cy="4114800"/>
+          </a:xfrm>
+          <a:prstGeom prst="rect">
+            <a:avLst/>
+          </a:prstGeom>
+        </p:spPr>
+        <p:txBody>
+          <a:bodyPr lIns="91425" tIns="91425" rIns="91425" bIns="91425" anchor="t" anchorCtr="0">
+            <a:noAutofit/>
+          </a:bodyPr>
+          <a:lstStyle/>
+          <a:p>
+            <a:pPr>
+              <a:spcBef>
+                <a:spcPts val="0"/>
+              </a:spcBef>
+              <a:buNone/>
+            </a:pPr>
+            <a:endParaRPr/>
+          </a:p>
+        </p:txBody>
+      </p:sp>
+    </p:spTree>
+  </p:cSld>
+  <p:clrMapOvr>
+    <a:masterClrMapping/>
+  </p:clrMapOvr>
+</p:notes>
+</file>
+
+<file path=ppt/notesSlides/notesSlide8.xml><?xml version="1.0" encoding="utf-8"?>
+<p:notes xmlns:a="http://schemas.openxmlformats.org/drawingml/2006/main" xmlns:r="http://schemas.openxmlformats.org/officeDocument/2006/relationships" xmlns:p="http://schemas.openxmlformats.org/presentationml/2006/main" showMasterSp="0" showMasterPhAnim="0">
+  <p:cSld>
+    <p:spTree>
+      <p:nvGrpSpPr>
+        <p:cNvPr id="1" name="Shape 31"/>
+        <p:cNvGrpSpPr/>
+        <p:nvPr/>
+      </p:nvGrpSpPr>
+      <p:grpSpPr>
+        <a:xfrm>
+          <a:off x="0" y="0"/>
+          <a:ext cx="0" cy="0"/>
+          <a:chOff x="0" y="0"/>
+          <a:chExt cx="0" cy="0"/>
+        </a:xfrm>
+      </p:grpSpPr>
+      <p:sp>
+        <p:nvSpPr>
+          <p:cNvPr id="32" name="Shape 32"/>
+          <p:cNvSpPr>
+            <a:spLocks noGrp="1" noRot="1" noChangeAspect="1"/>
+          </p:cNvSpPr>
+          <p:nvPr>
+            <p:ph type="sldImg" idx="2"/>
+          </p:nvPr>
+        </p:nvSpPr>
+        <p:spPr>
+          <a:xfrm>
+            <a:off x="1143000" y="685800"/>
+            <a:ext cx="4572000" cy="3429000"/>
+          </a:xfrm>
+          <a:custGeom>
+            <a:avLst/>
+            <a:gdLst/>
+            <a:ahLst/>
+            <a:cxnLst/>
+            <a:rect l="0" t="0" r="0" b="0"/>
+            <a:pathLst>
+              <a:path w="120000" h="120000" extrusionOk="0">
+                <a:moveTo>
+                  <a:pt x="0" y="0"/>
+                </a:moveTo>
+                <a:lnTo>
+                  <a:pt x="120000" y="0"/>
+                </a:lnTo>
+                <a:lnTo>
+                  <a:pt x="120000" y="120000"/>
+                </a:lnTo>
+                <a:lnTo>
+                  <a:pt x="0" y="120000"/>
+                </a:lnTo>
+                <a:close/>
+              </a:path>
+            </a:pathLst>
+          </a:custGeom>
+          <a:noFill/>
+          <a:ln w="9525" cap="flat">
+            <a:solidFill>
+              <a:srgbClr val="000000"/>
+            </a:solidFill>
+            <a:prstDash val="solid"/>
+            <a:round/>
+            <a:headEnd type="none" w="med" len="med"/>
+            <a:tailEnd type="none" w="med" len="med"/>
+          </a:ln>
+        </p:spPr>
+      </p:sp>
+      <p:sp>
+        <p:nvSpPr>
+          <p:cNvPr id="33" name="Shape 33"/>
+          <p:cNvSpPr txBox="1">
+            <a:spLocks noGrp="1"/>
+          </p:cNvSpPr>
+          <p:nvPr>
+            <p:ph type="body" idx="1"/>
+          </p:nvPr>
+        </p:nvSpPr>
+        <p:spPr>
+          <a:xfrm>
+            <a:off x="685800" y="4343400"/>
+            <a:ext cx="5486399" cy="4114800"/>
+          </a:xfrm>
+          <a:prstGeom prst="rect">
+            <a:avLst/>
+          </a:prstGeom>
+        </p:spPr>
+        <p:txBody>
+          <a:bodyPr lIns="91425" tIns="91425" rIns="91425" bIns="91425" anchor="t" anchorCtr="0">
+            <a:noAutofit/>
+          </a:bodyPr>
+          <a:lstStyle/>
+          <a:p>
+            <a:pPr>
+              <a:spcBef>
+                <a:spcPts val="0"/>
+              </a:spcBef>
+              <a:buNone/>
+            </a:pPr>
+            <a:endParaRPr/>
+          </a:p>
+        </p:txBody>
+      </p:sp>
+    </p:spTree>
+  </p:cSld>
+  <p:clrMapOvr>
+    <a:masterClrMapping/>
+  </p:clrMapOvr>
+</p:notes>
+</file>
+
+<file path=ppt/notesSlides/notesSlide9.xml><?xml version="1.0" encoding="utf-8"?>
+<p:notes xmlns:a="http://schemas.openxmlformats.org/drawingml/2006/main" xmlns:r="http://schemas.openxmlformats.org/officeDocument/2006/relationships" xmlns:p="http://schemas.openxmlformats.org/presentationml/2006/main" showMasterSp="0" showMasterPhAnim="0">
+  <p:cSld>
+    <p:spTree>
+      <p:nvGrpSpPr>
+        <p:cNvPr id="1" name="Shape 31"/>
+        <p:cNvGrpSpPr/>
+        <p:nvPr/>
+      </p:nvGrpSpPr>
+      <p:grpSpPr>
+        <a:xfrm>
+          <a:off x="0" y="0"/>
+          <a:ext cx="0" cy="0"/>
+          <a:chOff x="0" y="0"/>
+          <a:chExt cx="0" cy="0"/>
+        </a:xfrm>
+      </p:grpSpPr>
+      <p:sp>
+        <p:nvSpPr>
+          <p:cNvPr id="32" name="Shape 32"/>
+          <p:cNvSpPr>
+            <a:spLocks noGrp="1" noRot="1" noChangeAspect="1"/>
+          </p:cNvSpPr>
+          <p:nvPr>
+            <p:ph type="sldImg" idx="2"/>
+          </p:nvPr>
+        </p:nvSpPr>
+        <p:spPr>
+          <a:xfrm>
+            <a:off x="1143000" y="685800"/>
+            <a:ext cx="4572000" cy="3429000"/>
+          </a:xfrm>
+          <a:custGeom>
+            <a:avLst/>
+            <a:gdLst/>
+            <a:ahLst/>
+            <a:cxnLst/>
+            <a:rect l="0" t="0" r="0" b="0"/>
+            <a:pathLst>
+              <a:path w="120000" h="120000" extrusionOk="0">
+                <a:moveTo>
+                  <a:pt x="0" y="0"/>
+                </a:moveTo>
+                <a:lnTo>
+                  <a:pt x="120000" y="0"/>
+                </a:lnTo>
+                <a:lnTo>
+                  <a:pt x="120000" y="120000"/>
+                </a:lnTo>
+                <a:lnTo>
+                  <a:pt x="0" y="120000"/>
+                </a:lnTo>
+                <a:close/>
+              </a:path>
+            </a:pathLst>
+          </a:custGeom>
+          <a:noFill/>
+          <a:ln w="9525" cap="flat">
+            <a:solidFill>
+              <a:srgbClr val="000000"/>
+            </a:solidFill>
+            <a:prstDash val="solid"/>
+            <a:round/>
+            <a:headEnd type="none" w="med" len="med"/>
+            <a:tailEnd type="none" w="med" len="med"/>
+          </a:ln>
+        </p:spPr>
+      </p:sp>
+      <p:sp>
+        <p:nvSpPr>
+          <p:cNvPr id="33" name="Shape 33"/>
+          <p:cNvSpPr txBox="1">
+            <a:spLocks noGrp="1"/>
+          </p:cNvSpPr>
+          <p:nvPr>
+            <p:ph type="body" idx="1"/>
+          </p:nvPr>
+        </p:nvSpPr>
+        <p:spPr>
+          <a:xfrm>
+            <a:off x="685800" y="4343400"/>
+            <a:ext cx="5486399" cy="4114800"/>
+          </a:xfrm>
+          <a:prstGeom prst="rect">
+            <a:avLst/>
+          </a:prstGeom>
+        </p:spPr>
+        <p:txBody>
+          <a:bodyPr lIns="91425" tIns="91425" rIns="91425" bIns="91425" anchor="t" anchorCtr="0">
+            <a:noAutofit/>
+          </a:bodyPr>
+          <a:lstStyle/>
+          <a:p>
+            <a:pPr>
+              <a:spcBef>
+                <a:spcPts val="0"/>
+              </a:spcBef>
+              <a:buNone/>
+            </a:pPr>
+            <a:endParaRPr/>
+          </a:p>
+        </p:txBody>
+      </p:sp>
+    </p:spTree>
   </p:cSld>
   <p:clrMapOvr>
     <a:masterClrMapping/>
@@ -1662,7 +2130,7 @@
           <a:p>
             <a:fld id="{7D246241-80F5-AC42-BC66-87EE2513DBA4}" type="datetimeFigureOut">
               <a:rPr lang="en-US" smtClean="0"/>
-              <a:t>6/6/19</a:t>
+              <a:t>6/6/2019</a:t>
             </a:fld>
             <a:endParaRPr lang="en-US"/>
           </a:p>
@@ -1832,7 +2300,7 @@
           <a:p>
             <a:fld id="{7D246241-80F5-AC42-BC66-87EE2513DBA4}" type="datetimeFigureOut">
               <a:rPr lang="en-US" smtClean="0"/>
-              <a:t>6/6/19</a:t>
+              <a:t>6/6/2019</a:t>
             </a:fld>
             <a:endParaRPr lang="en-US"/>
           </a:p>
@@ -2012,7 +2480,7 @@
           <a:p>
             <a:fld id="{7D246241-80F5-AC42-BC66-87EE2513DBA4}" type="datetimeFigureOut">
               <a:rPr lang="en-US" smtClean="0"/>
-              <a:t>6/6/19</a:t>
+              <a:t>6/6/2019</a:t>
             </a:fld>
             <a:endParaRPr lang="en-US"/>
           </a:p>
@@ -2487,7 +2955,7 @@
           <a:p>
             <a:fld id="{7D246241-80F5-AC42-BC66-87EE2513DBA4}" type="datetimeFigureOut">
               <a:rPr lang="en-US" smtClean="0"/>
-              <a:t>6/6/19</a:t>
+              <a:t>6/6/2019</a:t>
             </a:fld>
             <a:endParaRPr lang="en-US"/>
           </a:p>
@@ -2733,7 +3201,7 @@
           <a:p>
             <a:fld id="{7D246241-80F5-AC42-BC66-87EE2513DBA4}" type="datetimeFigureOut">
               <a:rPr lang="en-US" smtClean="0"/>
-              <a:t>6/6/19</a:t>
+              <a:t>6/6/2019</a:t>
             </a:fld>
             <a:endParaRPr lang="en-US"/>
           </a:p>
@@ -3021,7 +3489,7 @@
           <a:p>
             <a:fld id="{7D246241-80F5-AC42-BC66-87EE2513DBA4}" type="datetimeFigureOut">
               <a:rPr lang="en-US" smtClean="0"/>
-              <a:t>6/6/19</a:t>
+              <a:t>6/6/2019</a:t>
             </a:fld>
             <a:endParaRPr lang="en-US"/>
           </a:p>
@@ -3443,7 +3911,7 @@
           <a:p>
             <a:fld id="{7D246241-80F5-AC42-BC66-87EE2513DBA4}" type="datetimeFigureOut">
               <a:rPr lang="en-US" smtClean="0"/>
-              <a:t>6/6/19</a:t>
+              <a:t>6/6/2019</a:t>
             </a:fld>
             <a:endParaRPr lang="en-US"/>
           </a:p>
@@ -3561,7 +4029,7 @@
           <a:p>
             <a:fld id="{7D246241-80F5-AC42-BC66-87EE2513DBA4}" type="datetimeFigureOut">
               <a:rPr lang="en-US" smtClean="0"/>
-              <a:t>6/6/19</a:t>
+              <a:t>6/6/2019</a:t>
             </a:fld>
             <a:endParaRPr lang="en-US"/>
           </a:p>
@@ -3656,7 +4124,7 @@
           <a:p>
             <a:fld id="{7D246241-80F5-AC42-BC66-87EE2513DBA4}" type="datetimeFigureOut">
               <a:rPr lang="en-US" smtClean="0"/>
-              <a:t>6/6/19</a:t>
+              <a:t>6/6/2019</a:t>
             </a:fld>
             <a:endParaRPr lang="en-US"/>
           </a:p>
@@ -3933,7 +4401,7 @@
           <a:p>
             <a:fld id="{7D246241-80F5-AC42-BC66-87EE2513DBA4}" type="datetimeFigureOut">
               <a:rPr lang="en-US" smtClean="0"/>
-              <a:t>6/6/19</a:t>
+              <a:t>6/6/2019</a:t>
             </a:fld>
             <a:endParaRPr lang="en-US"/>
           </a:p>
@@ -4186,7 +4654,7 @@
           <a:p>
             <a:fld id="{7D246241-80F5-AC42-BC66-87EE2513DBA4}" type="datetimeFigureOut">
               <a:rPr lang="en-US" smtClean="0"/>
-              <a:t>6/6/19</a:t>
+              <a:t>6/6/2019</a:t>
             </a:fld>
             <a:endParaRPr lang="en-US"/>
           </a:p>
@@ -4399,7 +4867,7 @@
           <a:p>
             <a:fld id="{7D246241-80F5-AC42-BC66-87EE2513DBA4}" type="datetimeFigureOut">
               <a:rPr lang="en-US" smtClean="0"/>
-              <a:t>6/6/19</a:t>
+              <a:t>6/6/2019</a:t>
             </a:fld>
             <a:endParaRPr lang="en-US"/>
           </a:p>
@@ -4905,13 +5373,13 @@
   <p:clrMapOvr>
     <a:masterClrMapping/>
   </p:clrMapOvr>
-  <p:transition xmlns:p14="http://schemas.microsoft.com/office/powerpoint/2010/main" spd="slow">
+  <p:transition spd="slow">
     <p:cut/>
   </p:transition>
   <p:timing>
     <p:tnLst>
       <p:par>
-        <p:cTn xmlns:p14="http://schemas.microsoft.com/office/powerpoint/2010/main" id="1" dur="indefinite" restart="never" nodeType="tmRoot"/>
+        <p:cTn id="1" dur="indefinite" restart="never" nodeType="tmRoot"/>
       </p:par>
     </p:tnLst>
   </p:timing>
@@ -5087,13 +5555,1126 @@
   <p:clrMapOvr>
     <a:masterClrMapping/>
   </p:clrMapOvr>
-  <p:transition xmlns:p14="http://schemas.microsoft.com/office/powerpoint/2010/main" spd="slow">
+  <p:transition spd="slow">
     <p:cut/>
   </p:transition>
   <p:timing>
     <p:tnLst>
       <p:par>
-        <p:cTn xmlns:p14="http://schemas.microsoft.com/office/powerpoint/2010/main" id="1" dur="indefinite" restart="never" nodeType="tmRoot"/>
+        <p:cTn id="1" dur="indefinite" restart="never" nodeType="tmRoot"/>
+      </p:par>
+    </p:tnLst>
+  </p:timing>
+</p:sld>
+</file>
+
+<file path=ppt/slides/slide11.xml><?xml version="1.0" encoding="utf-8"?>
+<p:sld xmlns:a="http://schemas.openxmlformats.org/drawingml/2006/main" xmlns:r="http://schemas.openxmlformats.org/officeDocument/2006/relationships" xmlns:p="http://schemas.openxmlformats.org/presentationml/2006/main">
+  <p:cSld>
+    <p:spTree>
+      <p:nvGrpSpPr>
+        <p:cNvPr id="1" name="Shape 28"/>
+        <p:cNvGrpSpPr/>
+        <p:nvPr/>
+      </p:nvGrpSpPr>
+      <p:grpSpPr>
+        <a:xfrm>
+          <a:off x="0" y="0"/>
+          <a:ext cx="0" cy="0"/>
+          <a:chOff x="0" y="0"/>
+          <a:chExt cx="0" cy="0"/>
+        </a:xfrm>
+      </p:grpSpPr>
+      <p:sp>
+        <p:nvSpPr>
+          <p:cNvPr id="29" name="Shape 29"/>
+          <p:cNvSpPr txBox="1">
+            <a:spLocks noGrp="1"/>
+          </p:cNvSpPr>
+          <p:nvPr>
+            <p:ph type="title"/>
+          </p:nvPr>
+        </p:nvSpPr>
+        <p:spPr>
+          <a:xfrm>
+            <a:off x="457200" y="274637"/>
+            <a:ext cx="8229600" cy="1143000"/>
+          </a:xfrm>
+          <a:prstGeom prst="rect">
+            <a:avLst/>
+          </a:prstGeom>
+        </p:spPr>
+        <p:txBody>
+          <a:bodyPr lIns="91425" tIns="91425" rIns="91425" bIns="91425" anchor="b" anchorCtr="0">
+            <a:noAutofit/>
+          </a:bodyPr>
+          <a:lstStyle/>
+          <a:p>
+            <a:pPr>
+              <a:spcBef>
+                <a:spcPts val="0"/>
+              </a:spcBef>
+              <a:buNone/>
+            </a:pPr>
+            <a:r>
+              <a:rPr lang="en-US" sz="7200" dirty="0" smtClean="0">
+                <a:solidFill>
+                  <a:srgbClr val="FF0000"/>
+                </a:solidFill>
+                <a:latin typeface="Yanone Kaffeesatz Bold"/>
+                <a:cs typeface="Yanone Kaffeesatz Bold"/>
+              </a:rPr>
+              <a:t>When to Scrape?</a:t>
+            </a:r>
+            <a:endParaRPr lang="en" sz="7200" dirty="0">
+              <a:solidFill>
+                <a:srgbClr val="FF0000"/>
+              </a:solidFill>
+              <a:latin typeface="Yanone Kaffeesatz Bold"/>
+              <a:cs typeface="Yanone Kaffeesatz Bold"/>
+            </a:endParaRPr>
+          </a:p>
+        </p:txBody>
+      </p:sp>
+      <p:sp>
+        <p:nvSpPr>
+          <p:cNvPr id="30" name="Shape 30"/>
+          <p:cNvSpPr txBox="1">
+            <a:spLocks noGrp="1"/>
+          </p:cNvSpPr>
+          <p:nvPr>
+            <p:ph type="body" idx="1"/>
+          </p:nvPr>
+        </p:nvSpPr>
+        <p:spPr>
+          <a:xfrm>
+            <a:off x="457200" y="1600200"/>
+            <a:ext cx="8229600" cy="4967700"/>
+          </a:xfrm>
+          <a:prstGeom prst="rect">
+            <a:avLst/>
+          </a:prstGeom>
+        </p:spPr>
+        <p:txBody>
+          <a:bodyPr lIns="91425" tIns="91425" rIns="91425" bIns="91425" anchor="t" anchorCtr="0">
+            <a:noAutofit/>
+          </a:bodyPr>
+          <a:lstStyle/>
+          <a:p>
+            <a:pPr marL="457200" lvl="0" indent="-419100" rtl="0">
+              <a:lnSpc>
+                <a:spcPct val="130000"/>
+              </a:lnSpc>
+              <a:spcBef>
+                <a:spcPts val="0"/>
+              </a:spcBef>
+              <a:buClr>
+                <a:schemeClr val="dk1"/>
+              </a:buClr>
+              <a:buSzPct val="100000"/>
+              <a:buFont typeface="Arial"/>
+              <a:buChar char="●"/>
+            </a:pPr>
+            <a:r>
+              <a:rPr lang="en-US" dirty="0" smtClean="0"/>
+              <a:t>Ask:</a:t>
+            </a:r>
+          </a:p>
+          <a:p>
+            <a:pPr marL="857250" lvl="1" indent="-419100">
+              <a:lnSpc>
+                <a:spcPct val="130000"/>
+              </a:lnSpc>
+              <a:buClr>
+                <a:schemeClr val="dk1"/>
+              </a:buClr>
+              <a:buSzPct val="100000"/>
+              <a:buFont typeface="Arial"/>
+              <a:buChar char="●"/>
+            </a:pPr>
+            <a:r>
+              <a:rPr lang="en-US" dirty="0" smtClean="0"/>
+              <a:t>Will they just give me the data?</a:t>
+            </a:r>
+          </a:p>
+          <a:p>
+            <a:pPr marL="857250" lvl="1" indent="-419100">
+              <a:lnSpc>
+                <a:spcPct val="130000"/>
+              </a:lnSpc>
+              <a:buClr>
+                <a:schemeClr val="dk1"/>
+              </a:buClr>
+              <a:buSzPct val="100000"/>
+              <a:buFont typeface="Arial"/>
+              <a:buChar char="●"/>
+            </a:pPr>
+            <a:r>
+              <a:rPr lang="en-US" dirty="0" smtClean="0"/>
+              <a:t>Do they have an API I can use instead?</a:t>
+            </a:r>
+          </a:p>
+          <a:p>
+            <a:pPr marL="857250" lvl="1" indent="-419100">
+              <a:lnSpc>
+                <a:spcPct val="130000"/>
+              </a:lnSpc>
+              <a:buClr>
+                <a:schemeClr val="dk1"/>
+              </a:buClr>
+              <a:buSzPct val="100000"/>
+              <a:buFont typeface="Arial"/>
+              <a:buChar char="●"/>
+            </a:pPr>
+            <a:r>
+              <a:rPr lang="en-US" dirty="0" smtClean="0"/>
+              <a:t>Do the have a terms of service I can see?</a:t>
+            </a:r>
+          </a:p>
+          <a:p>
+            <a:pPr marL="857250" lvl="1" indent="-419100">
+              <a:lnSpc>
+                <a:spcPct val="130000"/>
+              </a:lnSpc>
+              <a:buClr>
+                <a:schemeClr val="dk1"/>
+              </a:buClr>
+              <a:buSzPct val="100000"/>
+              <a:buFont typeface="Arial"/>
+              <a:buChar char="●"/>
+            </a:pPr>
+            <a:r>
+              <a:rPr lang="en-US" dirty="0" smtClean="0"/>
+              <a:t>Would I have to log in?</a:t>
+            </a:r>
+          </a:p>
+          <a:p>
+            <a:pPr marL="857250" lvl="1" indent="-419100">
+              <a:lnSpc>
+                <a:spcPct val="130000"/>
+              </a:lnSpc>
+              <a:buClr>
+                <a:schemeClr val="dk1"/>
+              </a:buClr>
+              <a:buSzPct val="100000"/>
+              <a:buFont typeface="Arial"/>
+              <a:buChar char="●"/>
+            </a:pPr>
+            <a:r>
+              <a:rPr lang="en-US" dirty="0" smtClean="0"/>
+              <a:t>Can the URLs be worked around in Python?</a:t>
+            </a:r>
+          </a:p>
+          <a:p>
+            <a:pPr marL="857250" lvl="1" indent="-419100">
+              <a:lnSpc>
+                <a:spcPct val="130000"/>
+              </a:lnSpc>
+              <a:buClr>
+                <a:schemeClr val="dk1"/>
+              </a:buClr>
+              <a:buSzPct val="100000"/>
+              <a:buFont typeface="Arial"/>
+              <a:buChar char="●"/>
+            </a:pPr>
+            <a:r>
+              <a:rPr lang="en-US" dirty="0" smtClean="0"/>
+              <a:t>Is it worth it?</a:t>
+            </a:r>
+            <a:endParaRPr lang="en-US" dirty="0" smtClean="0"/>
+          </a:p>
+        </p:txBody>
+      </p:sp>
+    </p:spTree>
+    <p:extLst>
+      <p:ext uri="{BB962C8B-B14F-4D97-AF65-F5344CB8AC3E}">
+        <p14:creationId xmlns:p14="http://schemas.microsoft.com/office/powerpoint/2010/main" val="4197172372"/>
+      </p:ext>
+    </p:extLst>
+  </p:cSld>
+  <p:clrMapOvr>
+    <a:masterClrMapping/>
+  </p:clrMapOvr>
+  <p:transition spd="slow">
+    <p:cut/>
+  </p:transition>
+  <p:timing>
+    <p:tnLst>
+      <p:par>
+        <p:cTn id="1" dur="indefinite" restart="never" nodeType="tmRoot"/>
+      </p:par>
+    </p:tnLst>
+  </p:timing>
+</p:sld>
+</file>
+
+<file path=ppt/slides/slide12.xml><?xml version="1.0" encoding="utf-8"?>
+<p:sld xmlns:a="http://schemas.openxmlformats.org/drawingml/2006/main" xmlns:r="http://schemas.openxmlformats.org/officeDocument/2006/relationships" xmlns:p="http://schemas.openxmlformats.org/presentationml/2006/main">
+  <p:cSld>
+    <p:spTree>
+      <p:nvGrpSpPr>
+        <p:cNvPr id="1" name="Shape 28"/>
+        <p:cNvGrpSpPr/>
+        <p:nvPr/>
+      </p:nvGrpSpPr>
+      <p:grpSpPr>
+        <a:xfrm>
+          <a:off x="0" y="0"/>
+          <a:ext cx="0" cy="0"/>
+          <a:chOff x="0" y="0"/>
+          <a:chExt cx="0" cy="0"/>
+        </a:xfrm>
+      </p:grpSpPr>
+      <p:sp>
+        <p:nvSpPr>
+          <p:cNvPr id="29" name="Shape 29"/>
+          <p:cNvSpPr txBox="1">
+            <a:spLocks noGrp="1"/>
+          </p:cNvSpPr>
+          <p:nvPr>
+            <p:ph type="title"/>
+          </p:nvPr>
+        </p:nvSpPr>
+        <p:spPr>
+          <a:xfrm>
+            <a:off x="457200" y="274637"/>
+            <a:ext cx="8229600" cy="1143000"/>
+          </a:xfrm>
+          <a:prstGeom prst="rect">
+            <a:avLst/>
+          </a:prstGeom>
+        </p:spPr>
+        <p:txBody>
+          <a:bodyPr lIns="91425" tIns="91425" rIns="91425" bIns="91425" anchor="b" anchorCtr="0">
+            <a:noAutofit/>
+          </a:bodyPr>
+          <a:lstStyle/>
+          <a:p>
+            <a:pPr>
+              <a:spcBef>
+                <a:spcPts val="0"/>
+              </a:spcBef>
+              <a:buNone/>
+            </a:pPr>
+            <a:r>
+              <a:rPr lang="en-US" sz="7200" dirty="0" smtClean="0">
+                <a:solidFill>
+                  <a:srgbClr val="FF0000"/>
+                </a:solidFill>
+                <a:latin typeface="Yanone Kaffeesatz Bold"/>
+                <a:cs typeface="Yanone Kaffeesatz Bold"/>
+              </a:rPr>
+              <a:t>How to start?</a:t>
+            </a:r>
+            <a:endParaRPr lang="en" sz="7200" dirty="0">
+              <a:solidFill>
+                <a:srgbClr val="FF0000"/>
+              </a:solidFill>
+              <a:latin typeface="Yanone Kaffeesatz Bold"/>
+              <a:cs typeface="Yanone Kaffeesatz Bold"/>
+            </a:endParaRPr>
+          </a:p>
+        </p:txBody>
+      </p:sp>
+      <p:sp>
+        <p:nvSpPr>
+          <p:cNvPr id="30" name="Shape 30"/>
+          <p:cNvSpPr txBox="1">
+            <a:spLocks noGrp="1"/>
+          </p:cNvSpPr>
+          <p:nvPr>
+            <p:ph type="body" idx="1"/>
+          </p:nvPr>
+        </p:nvSpPr>
+        <p:spPr>
+          <a:xfrm>
+            <a:off x="457200" y="1600200"/>
+            <a:ext cx="8229600" cy="4967700"/>
+          </a:xfrm>
+          <a:prstGeom prst="rect">
+            <a:avLst/>
+          </a:prstGeom>
+        </p:spPr>
+        <p:txBody>
+          <a:bodyPr lIns="91425" tIns="91425" rIns="91425" bIns="91425" anchor="t" anchorCtr="0">
+            <a:noAutofit/>
+          </a:bodyPr>
+          <a:lstStyle/>
+          <a:p>
+            <a:pPr marL="457200" lvl="0" indent="-419100" rtl="0">
+              <a:lnSpc>
+                <a:spcPct val="130000"/>
+              </a:lnSpc>
+              <a:spcBef>
+                <a:spcPts val="0"/>
+              </a:spcBef>
+              <a:buClr>
+                <a:schemeClr val="dk1"/>
+              </a:buClr>
+              <a:buSzPct val="100000"/>
+              <a:buFont typeface="Arial"/>
+              <a:buChar char="●"/>
+            </a:pPr>
+            <a:r>
+              <a:rPr lang="en-US" sz="2800" dirty="0" smtClean="0"/>
+              <a:t>To find code, google</a:t>
+            </a:r>
+          </a:p>
+          <a:p>
+            <a:pPr marL="457200" lvl="0" indent="-419100" rtl="0">
+              <a:lnSpc>
+                <a:spcPct val="130000"/>
+              </a:lnSpc>
+              <a:spcBef>
+                <a:spcPts val="0"/>
+              </a:spcBef>
+              <a:buClr>
+                <a:schemeClr val="dk1"/>
+              </a:buClr>
+              <a:buSzPct val="100000"/>
+              <a:buFont typeface="Arial"/>
+              <a:buChar char="●"/>
+            </a:pPr>
+            <a:r>
+              <a:rPr lang="en-US" sz="2800" dirty="0"/>
+              <a:t>p</a:t>
+            </a:r>
+            <a:r>
+              <a:rPr lang="en-US" sz="2800" dirty="0" smtClean="0"/>
+              <a:t>ython3 library “thing I want to do” “object of study”</a:t>
+            </a:r>
+          </a:p>
+          <a:p>
+            <a:pPr marL="457200" lvl="0" indent="-419100" rtl="0">
+              <a:lnSpc>
+                <a:spcPct val="130000"/>
+              </a:lnSpc>
+              <a:spcBef>
+                <a:spcPts val="0"/>
+              </a:spcBef>
+              <a:buClr>
+                <a:schemeClr val="dk1"/>
+              </a:buClr>
+              <a:buSzPct val="100000"/>
+              <a:buFont typeface="Arial"/>
+              <a:buChar char="●"/>
+            </a:pPr>
+            <a:r>
+              <a:rPr lang="en-US" sz="2800" dirty="0" smtClean="0"/>
+              <a:t>Ex: </a:t>
+            </a:r>
+          </a:p>
+          <a:p>
+            <a:pPr marL="857250" lvl="1" indent="-419100">
+              <a:lnSpc>
+                <a:spcPct val="130000"/>
+              </a:lnSpc>
+              <a:buClr>
+                <a:schemeClr val="dk1"/>
+              </a:buClr>
+              <a:buSzPct val="100000"/>
+              <a:buFont typeface="Arial"/>
+              <a:buChar char="●"/>
+            </a:pPr>
+            <a:r>
+              <a:rPr lang="en-US" dirty="0" smtClean="0"/>
+              <a:t>python3 library for analyzing images</a:t>
+            </a:r>
+          </a:p>
+          <a:p>
+            <a:pPr marL="857250" lvl="1" indent="-419100">
+              <a:lnSpc>
+                <a:spcPct val="130000"/>
+              </a:lnSpc>
+              <a:buClr>
+                <a:schemeClr val="dk1"/>
+              </a:buClr>
+              <a:buSzPct val="100000"/>
+              <a:buFont typeface="Arial"/>
+              <a:buChar char="●"/>
+            </a:pPr>
+            <a:r>
+              <a:rPr lang="en-US" dirty="0"/>
+              <a:t>p</a:t>
+            </a:r>
+            <a:r>
+              <a:rPr lang="en-US" dirty="0" smtClean="0"/>
+              <a:t>ython3 library for getting proper nouns from strings</a:t>
+            </a:r>
+          </a:p>
+          <a:p>
+            <a:pPr marL="457200" indent="-419100">
+              <a:lnSpc>
+                <a:spcPct val="130000"/>
+              </a:lnSpc>
+              <a:buClr>
+                <a:schemeClr val="dk1"/>
+              </a:buClr>
+              <a:buSzPct val="100000"/>
+              <a:buFont typeface="Arial"/>
+              <a:buChar char="●"/>
+            </a:pPr>
+            <a:r>
+              <a:rPr lang="en-US" sz="2800" dirty="0" smtClean="0"/>
+              <a:t>Look on </a:t>
+            </a:r>
+            <a:r>
+              <a:rPr lang="en-US" sz="2800" dirty="0" err="1" smtClean="0"/>
+              <a:t>github</a:t>
+            </a:r>
+            <a:endParaRPr lang="en-US" sz="2800" dirty="0" smtClean="0"/>
+          </a:p>
+          <a:p>
+            <a:pPr marL="457200" indent="-419100">
+              <a:lnSpc>
+                <a:spcPct val="130000"/>
+              </a:lnSpc>
+              <a:buClr>
+                <a:schemeClr val="dk1"/>
+              </a:buClr>
+              <a:buSzPct val="100000"/>
+              <a:buFont typeface="Arial"/>
+              <a:buChar char="●"/>
+            </a:pPr>
+            <a:r>
+              <a:rPr lang="en-US" sz="2800" dirty="0" smtClean="0"/>
+              <a:t>Look at the documentation</a:t>
+            </a:r>
+            <a:endParaRPr lang="en-US" sz="2800" dirty="0" smtClean="0"/>
+          </a:p>
+          <a:p>
+            <a:pPr marL="457200" lvl="0" indent="-419100" rtl="0">
+              <a:lnSpc>
+                <a:spcPct val="130000"/>
+              </a:lnSpc>
+              <a:spcBef>
+                <a:spcPts val="0"/>
+              </a:spcBef>
+              <a:buClr>
+                <a:schemeClr val="dk1"/>
+              </a:buClr>
+              <a:buSzPct val="100000"/>
+              <a:buFont typeface="Arial"/>
+              <a:buChar char="●"/>
+            </a:pPr>
+            <a:endParaRPr lang="en-US" sz="2800" dirty="0" smtClean="0"/>
+          </a:p>
+        </p:txBody>
+      </p:sp>
+    </p:spTree>
+    <p:extLst>
+      <p:ext uri="{BB962C8B-B14F-4D97-AF65-F5344CB8AC3E}">
+        <p14:creationId xmlns:p14="http://schemas.microsoft.com/office/powerpoint/2010/main" val="1662646964"/>
+      </p:ext>
+    </p:extLst>
+  </p:cSld>
+  <p:clrMapOvr>
+    <a:masterClrMapping/>
+  </p:clrMapOvr>
+  <p:transition spd="slow">
+    <p:cut/>
+  </p:transition>
+  <p:timing>
+    <p:tnLst>
+      <p:par>
+        <p:cTn id="1" dur="indefinite" restart="never" nodeType="tmRoot"/>
+      </p:par>
+    </p:tnLst>
+  </p:timing>
+</p:sld>
+</file>
+
+<file path=ppt/slides/slide13.xml><?xml version="1.0" encoding="utf-8"?>
+<p:sld xmlns:a="http://schemas.openxmlformats.org/drawingml/2006/main" xmlns:r="http://schemas.openxmlformats.org/officeDocument/2006/relationships" xmlns:p="http://schemas.openxmlformats.org/presentationml/2006/main">
+  <p:cSld>
+    <p:spTree>
+      <p:nvGrpSpPr>
+        <p:cNvPr id="1" name="Shape 28"/>
+        <p:cNvGrpSpPr/>
+        <p:nvPr/>
+      </p:nvGrpSpPr>
+      <p:grpSpPr>
+        <a:xfrm>
+          <a:off x="0" y="0"/>
+          <a:ext cx="0" cy="0"/>
+          <a:chOff x="0" y="0"/>
+          <a:chExt cx="0" cy="0"/>
+        </a:xfrm>
+      </p:grpSpPr>
+      <p:sp>
+        <p:nvSpPr>
+          <p:cNvPr id="29" name="Shape 29"/>
+          <p:cNvSpPr txBox="1">
+            <a:spLocks noGrp="1"/>
+          </p:cNvSpPr>
+          <p:nvPr>
+            <p:ph type="title"/>
+          </p:nvPr>
+        </p:nvSpPr>
+        <p:spPr>
+          <a:xfrm>
+            <a:off x="457200" y="274637"/>
+            <a:ext cx="8229600" cy="1143000"/>
+          </a:xfrm>
+          <a:prstGeom prst="rect">
+            <a:avLst/>
+          </a:prstGeom>
+        </p:spPr>
+        <p:txBody>
+          <a:bodyPr lIns="91425" tIns="91425" rIns="91425" bIns="91425" anchor="b" anchorCtr="0">
+            <a:noAutofit/>
+          </a:bodyPr>
+          <a:lstStyle/>
+          <a:p>
+            <a:pPr>
+              <a:spcBef>
+                <a:spcPts val="0"/>
+              </a:spcBef>
+              <a:buNone/>
+            </a:pPr>
+            <a:r>
+              <a:rPr lang="en-US" sz="7200" dirty="0" smtClean="0">
+                <a:solidFill>
+                  <a:srgbClr val="FF0000"/>
+                </a:solidFill>
+                <a:latin typeface="Yanone Kaffeesatz Bold"/>
+                <a:cs typeface="Yanone Kaffeesatz Bold"/>
+              </a:rPr>
+              <a:t>How to start?</a:t>
+            </a:r>
+            <a:endParaRPr lang="en" sz="7200" dirty="0">
+              <a:solidFill>
+                <a:srgbClr val="FF0000"/>
+              </a:solidFill>
+              <a:latin typeface="Yanone Kaffeesatz Bold"/>
+              <a:cs typeface="Yanone Kaffeesatz Bold"/>
+            </a:endParaRPr>
+          </a:p>
+        </p:txBody>
+      </p:sp>
+      <p:sp>
+        <p:nvSpPr>
+          <p:cNvPr id="30" name="Shape 30"/>
+          <p:cNvSpPr txBox="1">
+            <a:spLocks noGrp="1"/>
+          </p:cNvSpPr>
+          <p:nvPr>
+            <p:ph type="body" idx="1"/>
+          </p:nvPr>
+        </p:nvSpPr>
+        <p:spPr>
+          <a:xfrm>
+            <a:off x="457200" y="1600200"/>
+            <a:ext cx="8229600" cy="4967700"/>
+          </a:xfrm>
+          <a:prstGeom prst="rect">
+            <a:avLst/>
+          </a:prstGeom>
+        </p:spPr>
+        <p:txBody>
+          <a:bodyPr lIns="91425" tIns="91425" rIns="91425" bIns="91425" anchor="t" anchorCtr="0">
+            <a:noAutofit/>
+          </a:bodyPr>
+          <a:lstStyle/>
+          <a:p>
+            <a:pPr marL="457200" lvl="0" indent="-419100" rtl="0">
+              <a:lnSpc>
+                <a:spcPct val="130000"/>
+              </a:lnSpc>
+              <a:spcBef>
+                <a:spcPts val="0"/>
+              </a:spcBef>
+              <a:buClr>
+                <a:schemeClr val="dk1"/>
+              </a:buClr>
+              <a:buSzPct val="100000"/>
+              <a:buFont typeface="Arial"/>
+              <a:buChar char="●"/>
+            </a:pPr>
+            <a:r>
+              <a:rPr lang="en-US" sz="2800" dirty="0" smtClean="0"/>
+              <a:t>Find projects similar to yours </a:t>
+            </a:r>
+          </a:p>
+          <a:p>
+            <a:pPr marL="857250" lvl="1" indent="-419100">
+              <a:lnSpc>
+                <a:spcPct val="130000"/>
+              </a:lnSpc>
+              <a:buClr>
+                <a:schemeClr val="dk1"/>
+              </a:buClr>
+              <a:buSzPct val="100000"/>
+              <a:buFont typeface="Arial"/>
+              <a:buChar char="●"/>
+            </a:pPr>
+            <a:r>
+              <a:rPr lang="en-US" sz="2400" dirty="0" smtClean="0"/>
+              <a:t>Is their code on </a:t>
+            </a:r>
+            <a:r>
+              <a:rPr lang="en-US" sz="2400" dirty="0" err="1" smtClean="0"/>
+              <a:t>github</a:t>
+            </a:r>
+            <a:r>
+              <a:rPr lang="en-US" sz="2400" dirty="0" smtClean="0"/>
+              <a:t>?</a:t>
+            </a:r>
+          </a:p>
+          <a:p>
+            <a:pPr marL="857250" lvl="1" indent="-419100">
+              <a:lnSpc>
+                <a:spcPct val="130000"/>
+              </a:lnSpc>
+              <a:buClr>
+                <a:schemeClr val="dk1"/>
+              </a:buClr>
+              <a:buSzPct val="100000"/>
+              <a:buFont typeface="Arial"/>
+              <a:buChar char="●"/>
+            </a:pPr>
+            <a:r>
+              <a:rPr lang="en-US" sz="2400" dirty="0" smtClean="0"/>
+              <a:t>Does their about page describe what they did?</a:t>
+            </a:r>
+          </a:p>
+          <a:p>
+            <a:pPr marL="857250" lvl="1" indent="-419100">
+              <a:lnSpc>
+                <a:spcPct val="130000"/>
+              </a:lnSpc>
+              <a:buClr>
+                <a:schemeClr val="dk1"/>
+              </a:buClr>
+              <a:buSzPct val="100000"/>
+              <a:buFont typeface="Arial"/>
+              <a:buChar char="●"/>
+            </a:pPr>
+            <a:r>
+              <a:rPr lang="en-US" sz="2400" dirty="0" smtClean="0"/>
+              <a:t>Can you ask them?</a:t>
+            </a:r>
+          </a:p>
+          <a:p>
+            <a:pPr marL="457200" indent="-419100">
+              <a:lnSpc>
+                <a:spcPct val="130000"/>
+              </a:lnSpc>
+              <a:buClr>
+                <a:schemeClr val="dk1"/>
+              </a:buClr>
+              <a:buSzPct val="100000"/>
+              <a:buFont typeface="Arial"/>
+              <a:buChar char="●"/>
+            </a:pPr>
+            <a:r>
+              <a:rPr lang="en-US" sz="2800" dirty="0" smtClean="0"/>
+              <a:t>Look at resources that exist online</a:t>
+            </a:r>
+          </a:p>
+          <a:p>
+            <a:pPr marL="857250" lvl="1" indent="-419100">
+              <a:lnSpc>
+                <a:spcPct val="130000"/>
+              </a:lnSpc>
+              <a:buClr>
+                <a:schemeClr val="dk1"/>
+              </a:buClr>
+              <a:buSzPct val="100000"/>
+              <a:buFont typeface="Arial"/>
+              <a:buChar char="●"/>
+            </a:pPr>
+            <a:r>
+              <a:rPr lang="en-US" sz="2400" dirty="0" smtClean="0"/>
+              <a:t>programminghistorian.org</a:t>
+            </a:r>
+          </a:p>
+          <a:p>
+            <a:pPr marL="857250" lvl="1" indent="-419100">
+              <a:lnSpc>
+                <a:spcPct val="130000"/>
+              </a:lnSpc>
+              <a:buClr>
+                <a:schemeClr val="dk1"/>
+              </a:buClr>
+              <a:buSzPct val="100000"/>
+              <a:buFont typeface="Arial"/>
+              <a:buChar char="●"/>
+            </a:pPr>
+            <a:r>
+              <a:rPr lang="en-US" sz="2400" dirty="0" smtClean="0"/>
+              <a:t>nltk.org/book</a:t>
+            </a:r>
+          </a:p>
+          <a:p>
+            <a:pPr marL="857250" lvl="1" indent="-419100">
+              <a:lnSpc>
+                <a:spcPct val="130000"/>
+              </a:lnSpc>
+              <a:buClr>
+                <a:schemeClr val="dk1"/>
+              </a:buClr>
+              <a:buSzPct val="100000"/>
+              <a:buFont typeface="Arial"/>
+              <a:buChar char="●"/>
+            </a:pPr>
+            <a:r>
+              <a:rPr lang="en-US" sz="2400" dirty="0" smtClean="0"/>
+              <a:t>Blogs! walshbr.com, scholarslab.org</a:t>
+            </a:r>
+          </a:p>
+          <a:p>
+            <a:pPr marL="857250" lvl="1" indent="-419100">
+              <a:lnSpc>
+                <a:spcPct val="130000"/>
+              </a:lnSpc>
+              <a:buClr>
+                <a:schemeClr val="dk1"/>
+              </a:buClr>
+              <a:buSzPct val="100000"/>
+              <a:buFont typeface="Arial"/>
+              <a:buChar char="●"/>
+            </a:pPr>
+            <a:endParaRPr lang="en-US" sz="2400" dirty="0" smtClean="0"/>
+          </a:p>
+        </p:txBody>
+      </p:sp>
+    </p:spTree>
+    <p:extLst>
+      <p:ext uri="{BB962C8B-B14F-4D97-AF65-F5344CB8AC3E}">
+        <p14:creationId xmlns:p14="http://schemas.microsoft.com/office/powerpoint/2010/main" val="3163090055"/>
+      </p:ext>
+    </p:extLst>
+  </p:cSld>
+  <p:clrMapOvr>
+    <a:masterClrMapping/>
+  </p:clrMapOvr>
+  <p:transition spd="slow">
+    <p:cut/>
+  </p:transition>
+  <p:timing>
+    <p:tnLst>
+      <p:par>
+        <p:cTn id="1" dur="indefinite" restart="never" nodeType="tmRoot"/>
+      </p:par>
+    </p:tnLst>
+  </p:timing>
+</p:sld>
+</file>
+
+<file path=ppt/slides/slide14.xml><?xml version="1.0" encoding="utf-8"?>
+<p:sld xmlns:a="http://schemas.openxmlformats.org/drawingml/2006/main" xmlns:r="http://schemas.openxmlformats.org/officeDocument/2006/relationships" xmlns:p="http://schemas.openxmlformats.org/presentationml/2006/main">
+  <p:cSld>
+    <p:spTree>
+      <p:nvGrpSpPr>
+        <p:cNvPr id="1" name="Shape 28"/>
+        <p:cNvGrpSpPr/>
+        <p:nvPr/>
+      </p:nvGrpSpPr>
+      <p:grpSpPr>
+        <a:xfrm>
+          <a:off x="0" y="0"/>
+          <a:ext cx="0" cy="0"/>
+          <a:chOff x="0" y="0"/>
+          <a:chExt cx="0" cy="0"/>
+        </a:xfrm>
+      </p:grpSpPr>
+      <p:sp>
+        <p:nvSpPr>
+          <p:cNvPr id="29" name="Shape 29"/>
+          <p:cNvSpPr txBox="1">
+            <a:spLocks noGrp="1"/>
+          </p:cNvSpPr>
+          <p:nvPr>
+            <p:ph type="title"/>
+          </p:nvPr>
+        </p:nvSpPr>
+        <p:spPr>
+          <a:xfrm>
+            <a:off x="457200" y="274637"/>
+            <a:ext cx="8229600" cy="1143000"/>
+          </a:xfrm>
+          <a:prstGeom prst="rect">
+            <a:avLst/>
+          </a:prstGeom>
+        </p:spPr>
+        <p:txBody>
+          <a:bodyPr lIns="91425" tIns="91425" rIns="91425" bIns="91425" anchor="b" anchorCtr="0">
+            <a:noAutofit/>
+          </a:bodyPr>
+          <a:lstStyle/>
+          <a:p>
+            <a:pPr>
+              <a:spcBef>
+                <a:spcPts val="0"/>
+              </a:spcBef>
+              <a:buNone/>
+            </a:pPr>
+            <a:r>
+              <a:rPr lang="en-US" sz="7200" dirty="0" smtClean="0">
+                <a:solidFill>
+                  <a:srgbClr val="FF0000"/>
+                </a:solidFill>
+                <a:latin typeface="Yanone Kaffeesatz Bold"/>
+                <a:cs typeface="Yanone Kaffeesatz Bold"/>
+              </a:rPr>
+              <a:t>How to teach?</a:t>
+            </a:r>
+            <a:endParaRPr lang="en" sz="7200" dirty="0">
+              <a:solidFill>
+                <a:srgbClr val="FF0000"/>
+              </a:solidFill>
+              <a:latin typeface="Yanone Kaffeesatz Bold"/>
+              <a:cs typeface="Yanone Kaffeesatz Bold"/>
+            </a:endParaRPr>
+          </a:p>
+        </p:txBody>
+      </p:sp>
+      <p:sp>
+        <p:nvSpPr>
+          <p:cNvPr id="30" name="Shape 30"/>
+          <p:cNvSpPr txBox="1">
+            <a:spLocks noGrp="1"/>
+          </p:cNvSpPr>
+          <p:nvPr>
+            <p:ph type="body" idx="1"/>
+          </p:nvPr>
+        </p:nvSpPr>
+        <p:spPr>
+          <a:xfrm>
+            <a:off x="457200" y="1600200"/>
+            <a:ext cx="8229600" cy="4967700"/>
+          </a:xfrm>
+          <a:prstGeom prst="rect">
+            <a:avLst/>
+          </a:prstGeom>
+        </p:spPr>
+        <p:txBody>
+          <a:bodyPr lIns="91425" tIns="91425" rIns="91425" bIns="91425" anchor="t" anchorCtr="0">
+            <a:noAutofit/>
+          </a:bodyPr>
+          <a:lstStyle/>
+          <a:p>
+            <a:pPr marL="857250" lvl="1" indent="-419100">
+              <a:lnSpc>
+                <a:spcPct val="130000"/>
+              </a:lnSpc>
+              <a:buClr>
+                <a:schemeClr val="dk1"/>
+              </a:buClr>
+              <a:buSzPct val="100000"/>
+              <a:buFont typeface="Arial"/>
+              <a:buChar char="●"/>
+            </a:pPr>
+            <a:r>
+              <a:rPr lang="en-US" sz="2400" dirty="0" smtClean="0"/>
+              <a:t>Big Resources</a:t>
+            </a:r>
+          </a:p>
+          <a:p>
+            <a:pPr marL="1257300" lvl="2" indent="-419100">
+              <a:lnSpc>
+                <a:spcPct val="130000"/>
+              </a:lnSpc>
+              <a:buClr>
+                <a:schemeClr val="dk1"/>
+              </a:buClr>
+              <a:buSzPct val="100000"/>
+              <a:buFont typeface="Arial"/>
+              <a:buChar char="●"/>
+            </a:pPr>
+            <a:r>
+              <a:rPr lang="en-US" sz="2000" dirty="0">
+                <a:hlinkClick r:id="rId3"/>
+              </a:rPr>
+              <a:t>https://jitp.commons.gc.cuny.edu</a:t>
+            </a:r>
+            <a:r>
+              <a:rPr lang="en-US" sz="2000" dirty="0" smtClean="0">
+                <a:hlinkClick r:id="rId3"/>
+              </a:rPr>
+              <a:t>/</a:t>
+            </a:r>
+            <a:endParaRPr lang="en-US" sz="2000" dirty="0" smtClean="0"/>
+          </a:p>
+          <a:p>
+            <a:pPr marL="1257300" lvl="2" indent="-419100">
+              <a:lnSpc>
+                <a:spcPct val="130000"/>
+              </a:lnSpc>
+              <a:buClr>
+                <a:schemeClr val="dk1"/>
+              </a:buClr>
+              <a:buSzPct val="100000"/>
+              <a:buFont typeface="Arial"/>
+              <a:buChar char="●"/>
+            </a:pPr>
+            <a:r>
+              <a:rPr lang="en-US" sz="2000" dirty="0" smtClean="0">
+                <a:hlinkClick r:id="rId4"/>
+              </a:rPr>
+              <a:t>http://codingpedagogy.net/index.html</a:t>
+            </a:r>
+            <a:endParaRPr lang="en-US" sz="2000" dirty="0" smtClean="0"/>
+          </a:p>
+          <a:p>
+            <a:pPr marL="1257300" lvl="2" indent="-419100">
+              <a:lnSpc>
+                <a:spcPct val="130000"/>
+              </a:lnSpc>
+              <a:buClr>
+                <a:schemeClr val="dk1"/>
+              </a:buClr>
+              <a:buSzPct val="100000"/>
+              <a:buFont typeface="Arial"/>
+              <a:buChar char="●"/>
+            </a:pPr>
+            <a:r>
+              <a:rPr lang="en-US" sz="2000"/>
+              <a:t>h</a:t>
+            </a:r>
+            <a:r>
+              <a:rPr lang="en-US" sz="2000" smtClean="0"/>
+              <a:t>ybridpedagogy.org</a:t>
+            </a:r>
+            <a:endParaRPr lang="en-US" sz="2000" dirty="0" smtClean="0"/>
+          </a:p>
+          <a:p>
+            <a:pPr marL="857250" lvl="1" indent="-419100">
+              <a:lnSpc>
+                <a:spcPct val="130000"/>
+              </a:lnSpc>
+              <a:buClr>
+                <a:schemeClr val="dk1"/>
+              </a:buClr>
+              <a:buSzPct val="100000"/>
+              <a:buFont typeface="Arial"/>
+              <a:buChar char="●"/>
+            </a:pPr>
+            <a:r>
+              <a:rPr lang="en-US" sz="2400" dirty="0" smtClean="0"/>
+              <a:t>“Beyond </a:t>
+            </a:r>
+            <a:r>
+              <a:rPr lang="en-US" sz="2400" dirty="0" err="1" smtClean="0"/>
+              <a:t>Buttonology</a:t>
+            </a:r>
+            <a:r>
+              <a:rPr lang="en-US" sz="2400" dirty="0" smtClean="0"/>
+              <a:t>” – Russell and Hensley</a:t>
+            </a:r>
+          </a:p>
+          <a:p>
+            <a:pPr marL="1257300" lvl="2" indent="-419100">
+              <a:lnSpc>
+                <a:spcPct val="130000"/>
+              </a:lnSpc>
+              <a:buClr>
+                <a:schemeClr val="dk1"/>
+              </a:buClr>
+              <a:buSzPct val="100000"/>
+              <a:buFont typeface="Arial"/>
+              <a:buChar char="●"/>
+            </a:pPr>
+            <a:r>
+              <a:rPr lang="en-US" sz="2000" dirty="0">
+                <a:hlinkClick r:id="rId5"/>
+              </a:rPr>
+              <a:t>https://</a:t>
+            </a:r>
+            <a:r>
+              <a:rPr lang="en-US" sz="2000" dirty="0" smtClean="0">
+                <a:hlinkClick r:id="rId5"/>
+              </a:rPr>
+              <a:t>crln.acrl.org/index.php/crlnews/article/view/16833/18427</a:t>
+            </a:r>
+            <a:endParaRPr lang="en-US" sz="2000" dirty="0" smtClean="0"/>
+          </a:p>
+          <a:p>
+            <a:pPr marL="857250" lvl="1" indent="-419100">
+              <a:lnSpc>
+                <a:spcPct val="130000"/>
+              </a:lnSpc>
+              <a:buClr>
+                <a:schemeClr val="dk1"/>
+              </a:buClr>
+              <a:buSzPct val="100000"/>
+              <a:buFont typeface="Arial"/>
+              <a:buChar char="●"/>
+            </a:pPr>
+            <a:r>
+              <a:rPr lang="en-US" sz="2400" dirty="0"/>
+              <a:t>Blogs! </a:t>
+            </a:r>
+            <a:endParaRPr lang="en-US" sz="2400" dirty="0" smtClean="0"/>
+          </a:p>
+          <a:p>
+            <a:pPr marL="1257300" lvl="2" indent="-419100">
+              <a:lnSpc>
+                <a:spcPct val="130000"/>
+              </a:lnSpc>
+              <a:buClr>
+                <a:schemeClr val="dk1"/>
+              </a:buClr>
+              <a:buSzPct val="100000"/>
+              <a:buFont typeface="Arial"/>
+              <a:buChar char="●"/>
+            </a:pPr>
+            <a:r>
+              <a:rPr lang="en-US" sz="2000" dirty="0" smtClean="0"/>
+              <a:t>walshbr.com</a:t>
+            </a:r>
+          </a:p>
+          <a:p>
+            <a:pPr marL="1257300" lvl="2" indent="-419100">
+              <a:lnSpc>
+                <a:spcPct val="130000"/>
+              </a:lnSpc>
+              <a:buClr>
+                <a:schemeClr val="dk1"/>
+              </a:buClr>
+              <a:buSzPct val="100000"/>
+              <a:buFont typeface="Arial"/>
+              <a:buChar char="●"/>
+            </a:pPr>
+            <a:r>
+              <a:rPr lang="en-US" sz="2000" dirty="0" smtClean="0"/>
+              <a:t>scholarslab.org</a:t>
+            </a:r>
+            <a:endParaRPr lang="en-US" sz="2000" dirty="0"/>
+          </a:p>
+          <a:p>
+            <a:pPr marL="438150" lvl="1" indent="0">
+              <a:lnSpc>
+                <a:spcPct val="130000"/>
+              </a:lnSpc>
+              <a:buClr>
+                <a:schemeClr val="dk1"/>
+              </a:buClr>
+              <a:buSzPct val="100000"/>
+              <a:buNone/>
+            </a:pPr>
+            <a:endParaRPr lang="en-US" sz="2400" dirty="0"/>
+          </a:p>
+        </p:txBody>
+      </p:sp>
+    </p:spTree>
+    <p:extLst>
+      <p:ext uri="{BB962C8B-B14F-4D97-AF65-F5344CB8AC3E}">
+        <p14:creationId xmlns:p14="http://schemas.microsoft.com/office/powerpoint/2010/main" val="3884490288"/>
+      </p:ext>
+    </p:extLst>
+  </p:cSld>
+  <p:clrMapOvr>
+    <a:masterClrMapping/>
+  </p:clrMapOvr>
+  <p:transition spd="slow">
+    <p:cut/>
+  </p:transition>
+  <p:timing>
+    <p:tnLst>
+      <p:par>
+        <p:cTn id="1" dur="indefinite" restart="never" nodeType="tmRoot"/>
       </p:par>
     </p:tnLst>
   </p:timing>
@@ -5202,13 +6783,13 @@
   <p:clrMapOvr>
     <a:masterClrMapping/>
   </p:clrMapOvr>
-  <p:transition xmlns:p14="http://schemas.microsoft.com/office/powerpoint/2010/main" spd="slow">
+  <p:transition spd="slow">
     <p:cut/>
   </p:transition>
   <p:timing>
     <p:tnLst>
       <p:par>
-        <p:cTn xmlns:p14="http://schemas.microsoft.com/office/powerpoint/2010/main" id="1" dur="indefinite" restart="never" nodeType="tmRoot"/>
+        <p:cTn id="1" dur="indefinite" restart="never" nodeType="tmRoot"/>
       </p:par>
     </p:tnLst>
   </p:timing>
@@ -5307,7 +6888,7 @@
   <p:timing>
     <p:tnLst>
       <p:par>
-        <p:cTn xmlns:p14="http://schemas.microsoft.com/office/powerpoint/2010/main" id="1" dur="indefinite" restart="never" nodeType="tmRoot"/>
+        <p:cTn id="1" dur="indefinite" restart="never" nodeType="tmRoot"/>
       </p:par>
     </p:tnLst>
   </p:timing>
@@ -5453,13 +7034,13 @@
   <p:clrMapOvr>
     <a:masterClrMapping/>
   </p:clrMapOvr>
-  <p:transition xmlns:p14="http://schemas.microsoft.com/office/powerpoint/2010/main" spd="slow">
+  <p:transition spd="slow">
     <p:cut/>
   </p:transition>
   <p:timing>
     <p:tnLst>
       <p:par>
-        <p:cTn xmlns:p14="http://schemas.microsoft.com/office/powerpoint/2010/main" id="1" dur="indefinite" restart="never" nodeType="tmRoot"/>
+        <p:cTn id="1" dur="indefinite" restart="never" nodeType="tmRoot"/>
       </p:par>
     </p:tnLst>
   </p:timing>
@@ -5623,13 +7204,13 @@
   <p:clrMapOvr>
     <a:masterClrMapping/>
   </p:clrMapOvr>
-  <p:transition xmlns:p14="http://schemas.microsoft.com/office/powerpoint/2010/main" spd="slow">
+  <p:transition spd="slow">
     <p:cut/>
   </p:transition>
   <p:timing>
     <p:tnLst>
       <p:par>
-        <p:cTn xmlns:p14="http://schemas.microsoft.com/office/powerpoint/2010/main" id="1" dur="indefinite" restart="never" nodeType="tmRoot"/>
+        <p:cTn id="1" dur="indefinite" restart="never" nodeType="tmRoot"/>
       </p:par>
     </p:tnLst>
   </p:timing>
@@ -5795,13 +7376,13 @@
   <p:clrMapOvr>
     <a:masterClrMapping/>
   </p:clrMapOvr>
-  <p:transition xmlns:p14="http://schemas.microsoft.com/office/powerpoint/2010/main" spd="slow">
+  <p:transition spd="slow">
     <p:cut/>
   </p:transition>
   <p:timing>
     <p:tnLst>
       <p:par>
-        <p:cTn xmlns:p14="http://schemas.microsoft.com/office/powerpoint/2010/main" id="1" dur="indefinite" restart="never" nodeType="tmRoot"/>
+        <p:cTn id="1" dur="indefinite" restart="never" nodeType="tmRoot"/>
       </p:par>
     </p:tnLst>
   </p:timing>
@@ -5903,6 +7484,13 @@
   <p:clrMapOvr>
     <a:masterClrMapping/>
   </p:clrMapOvr>
+  <p:timing>
+    <p:tnLst>
+      <p:par>
+        <p:cTn id="1" dur="indefinite" restart="never" nodeType="tmRoot"/>
+      </p:par>
+    </p:tnLst>
+  </p:timing>
 </p:sld>
 </file>
 
@@ -6030,13 +7618,13 @@
   <p:clrMapOvr>
     <a:masterClrMapping/>
   </p:clrMapOvr>
-  <p:transition xmlns:p14="http://schemas.microsoft.com/office/powerpoint/2010/main" spd="slow">
+  <p:transition spd="slow">
     <p:cut/>
   </p:transition>
   <p:timing>
     <p:tnLst>
       <p:par>
-        <p:cTn xmlns:p14="http://schemas.microsoft.com/office/powerpoint/2010/main" id="1" dur="indefinite" restart="never" nodeType="tmRoot"/>
+        <p:cTn id="1" dur="indefinite" restart="never" nodeType="tmRoot"/>
       </p:par>
     </p:tnLst>
   </p:timing>
@@ -6213,13 +7801,13 @@
   <p:clrMapOvr>
     <a:masterClrMapping/>
   </p:clrMapOvr>
-  <p:transition xmlns:p14="http://schemas.microsoft.com/office/powerpoint/2010/main" spd="slow">
+  <p:transition spd="slow">
     <p:cut/>
   </p:transition>
   <p:timing>
     <p:tnLst>
       <p:par>
-        <p:cTn xmlns:p14="http://schemas.microsoft.com/office/powerpoint/2010/main" id="1" dur="indefinite" restart="never" nodeType="tmRoot"/>
+        <p:cTn id="1" dur="indefinite" restart="never" nodeType="tmRoot"/>
       </p:par>
     </p:tnLst>
   </p:timing>

--- a/2019/python/day3-review.pptx
+++ b/2019/python/day3-review.pptx
@@ -5,7 +5,7 @@
     <p:sldMasterId id="2147483648" r:id="rId1"/>
   </p:sldMasterIdLst>
   <p:notesMasterIdLst>
-    <p:notesMasterId r:id="rId16"/>
+    <p:notesMasterId r:id="rId12"/>
   </p:notesMasterIdLst>
   <p:sldIdLst>
     <p:sldId id="257" r:id="rId2"/>
@@ -18,10 +18,6 @@
     <p:sldId id="259" r:id="rId9"/>
     <p:sldId id="260" r:id="rId10"/>
     <p:sldId id="261" r:id="rId11"/>
-    <p:sldId id="270" r:id="rId12"/>
-    <p:sldId id="271" r:id="rId13"/>
-    <p:sldId id="272" r:id="rId14"/>
-    <p:sldId id="274" r:id="rId15"/>
   </p:sldIdLst>
   <p:sldSz cx="9144000" cy="6858000" type="screen4x3"/>
   <p:notesSz cx="6858000" cy="9144000"/>
@@ -122,7 +118,7 @@
   </p:defaultTextStyle>
   <p:extLst>
     <p:ext uri="{EFAFB233-063F-42B5-8137-9DF3F51BA10A}">
-      <p15:sldGuideLst xmlns:p15="http://schemas.microsoft.com/office/powerpoint/2012/main">
+      <p15:sldGuideLst xmlns="" xmlns:p15="http://schemas.microsoft.com/office/powerpoint/2012/main">
         <p15:guide id="1" orient="horz" pos="2160">
           <p15:clr>
             <a:srgbClr val="A4A3A4"/>
@@ -221,7 +217,7 @@
           <a:p>
             <a:fld id="{7E606E04-4287-FC46-B3F7-13FA665EE46E}" type="datetimeFigureOut">
               <a:rPr lang="en-US" smtClean="0"/>
-              <a:t>6/6/2019</a:t>
+              <a:t>6/6/19</a:t>
             </a:fld>
             <a:endParaRPr lang="en-US"/>
           </a:p>
@@ -600,7 +596,7 @@
 </p:notes>
 </file>
 
-<file path=ppt/notesSlides/notesSlide10.xml><?xml version="1.0" encoding="utf-8"?>
+<file path=ppt/notesSlides/notesSlide2.xml><?xml version="1.0" encoding="utf-8"?>
 <p:notes xmlns:a="http://schemas.openxmlformats.org/drawingml/2006/main" xmlns:r="http://schemas.openxmlformats.org/officeDocument/2006/relationships" xmlns:p="http://schemas.openxmlformats.org/presentationml/2006/main" showMasterSp="0" showMasterPhAnim="0">
   <p:cSld>
     <p:spTree>
@@ -706,7 +702,7 @@
     </p:spTree>
     <p:extLst>
       <p:ext uri="{BB962C8B-B14F-4D97-AF65-F5344CB8AC3E}">
-        <p14:creationId xmlns:p14="http://schemas.microsoft.com/office/powerpoint/2010/main" val="837550366"/>
+        <p14:creationId xmlns:p14="http://schemas.microsoft.com/office/powerpoint/2010/main" val="138821827"/>
       </p:ext>
     </p:extLst>
   </p:cSld>
@@ -716,7 +712,7 @@
 </p:notes>
 </file>
 
-<file path=ppt/notesSlides/notesSlide11.xml><?xml version="1.0" encoding="utf-8"?>
+<file path=ppt/notesSlides/notesSlide3.xml><?xml version="1.0" encoding="utf-8"?>
 <p:notes xmlns:a="http://schemas.openxmlformats.org/drawingml/2006/main" xmlns:r="http://schemas.openxmlformats.org/officeDocument/2006/relationships" xmlns:p="http://schemas.openxmlformats.org/presentationml/2006/main" showMasterSp="0" showMasterPhAnim="0">
   <p:cSld>
     <p:spTree>
@@ -822,7 +818,7 @@
     </p:spTree>
     <p:extLst>
       <p:ext uri="{BB962C8B-B14F-4D97-AF65-F5344CB8AC3E}">
-        <p14:creationId xmlns:p14="http://schemas.microsoft.com/office/powerpoint/2010/main" val="148566609"/>
+        <p14:creationId xmlns:p14="http://schemas.microsoft.com/office/powerpoint/2010/main" val="2189643892"/>
       </p:ext>
     </p:extLst>
   </p:cSld>
@@ -832,7 +828,7 @@
 </p:notes>
 </file>
 
-<file path=ppt/notesSlides/notesSlide12.xml><?xml version="1.0" encoding="utf-8"?>
+<file path=ppt/notesSlides/notesSlide4.xml><?xml version="1.0" encoding="utf-8"?>
 <p:notes xmlns:a="http://schemas.openxmlformats.org/drawingml/2006/main" xmlns:r="http://schemas.openxmlformats.org/officeDocument/2006/relationships" xmlns:p="http://schemas.openxmlformats.org/presentationml/2006/main" showMasterSp="0" showMasterPhAnim="0">
   <p:cSld>
     <p:spTree>
@@ -938,7 +934,7 @@
     </p:spTree>
     <p:extLst>
       <p:ext uri="{BB962C8B-B14F-4D97-AF65-F5344CB8AC3E}">
-        <p14:creationId xmlns:p14="http://schemas.microsoft.com/office/powerpoint/2010/main" val="3760605020"/>
+        <p14:creationId xmlns:p14="http://schemas.microsoft.com/office/powerpoint/2010/main" val="3046462791"/>
       </p:ext>
     </p:extLst>
   </p:cSld>
@@ -948,7 +944,7 @@
 </p:notes>
 </file>
 
-<file path=ppt/notesSlides/notesSlide13.xml><?xml version="1.0" encoding="utf-8"?>
+<file path=ppt/notesSlides/notesSlide5.xml><?xml version="1.0" encoding="utf-8"?>
 <p:notes xmlns:a="http://schemas.openxmlformats.org/drawingml/2006/main" xmlns:r="http://schemas.openxmlformats.org/officeDocument/2006/relationships" xmlns:p="http://schemas.openxmlformats.org/presentationml/2006/main" showMasterSp="0" showMasterPhAnim="0">
   <p:cSld>
     <p:spTree>
@@ -1054,7 +1050,7 @@
     </p:spTree>
     <p:extLst>
       <p:ext uri="{BB962C8B-B14F-4D97-AF65-F5344CB8AC3E}">
-        <p14:creationId xmlns:p14="http://schemas.microsoft.com/office/powerpoint/2010/main" val="2055392123"/>
+        <p14:creationId xmlns:p14="http://schemas.microsoft.com/office/powerpoint/2010/main" val="1764306385"/>
       </p:ext>
     </p:extLst>
   </p:cSld>
@@ -1064,7 +1060,95 @@
 </p:notes>
 </file>
 
-<file path=ppt/notesSlides/notesSlide2.xml><?xml version="1.0" encoding="utf-8"?>
+<file path=ppt/notesSlides/notesSlide6.xml><?xml version="1.0" encoding="utf-8"?>
+<p:notes xmlns:a="http://schemas.openxmlformats.org/drawingml/2006/main" xmlns:r="http://schemas.openxmlformats.org/officeDocument/2006/relationships" xmlns:p="http://schemas.openxmlformats.org/presentationml/2006/main">
+  <p:cSld>
+    <p:spTree>
+      <p:nvGrpSpPr>
+        <p:cNvPr id="1" name=""/>
+        <p:cNvGrpSpPr/>
+        <p:nvPr/>
+      </p:nvGrpSpPr>
+      <p:grpSpPr>
+        <a:xfrm>
+          <a:off x="0" y="0"/>
+          <a:ext cx="0" cy="0"/>
+          <a:chOff x="0" y="0"/>
+          <a:chExt cx="0" cy="0"/>
+        </a:xfrm>
+      </p:grpSpPr>
+      <p:sp>
+        <p:nvSpPr>
+          <p:cNvPr id="2" name="Slide Image Placeholder 1"/>
+          <p:cNvSpPr>
+            <a:spLocks noGrp="1" noRot="1" noChangeAspect="1"/>
+          </p:cNvSpPr>
+          <p:nvPr>
+            <p:ph type="sldImg"/>
+          </p:nvPr>
+        </p:nvSpPr>
+        <p:spPr/>
+      </p:sp>
+      <p:sp>
+        <p:nvSpPr>
+          <p:cNvPr id="3" name="Notes Placeholder 2"/>
+          <p:cNvSpPr>
+            <a:spLocks noGrp="1"/>
+          </p:cNvSpPr>
+          <p:nvPr>
+            <p:ph type="body" idx="1"/>
+          </p:nvPr>
+        </p:nvSpPr>
+        <p:spPr/>
+        <p:txBody>
+          <a:bodyPr/>
+          <a:lstStyle/>
+          <a:p>
+            <a:r>
+              <a:rPr lang="en-US" smtClean="0"/>
+              <a:t>PAY IT FORWARD</a:t>
+            </a:r>
+            <a:endParaRPr lang="en-US"/>
+          </a:p>
+        </p:txBody>
+      </p:sp>
+      <p:sp>
+        <p:nvSpPr>
+          <p:cNvPr id="4" name="Slide Number Placeholder 3"/>
+          <p:cNvSpPr>
+            <a:spLocks noGrp="1"/>
+          </p:cNvSpPr>
+          <p:nvPr>
+            <p:ph type="sldNum" sz="quarter" idx="10"/>
+          </p:nvPr>
+        </p:nvSpPr>
+        <p:spPr/>
+        <p:txBody>
+          <a:bodyPr/>
+          <a:lstStyle/>
+          <a:p>
+            <a:fld id="{47510E77-FC52-4747-BB0B-6F848EB8C17D}" type="slidenum">
+              <a:rPr lang="en-US" smtClean="0"/>
+              <a:t>7</a:t>
+            </a:fld>
+            <a:endParaRPr lang="en-US"/>
+          </a:p>
+        </p:txBody>
+      </p:sp>
+    </p:spTree>
+    <p:extLst>
+      <p:ext uri="{BB962C8B-B14F-4D97-AF65-F5344CB8AC3E}">
+        <p14:creationId xmlns:p14="http://schemas.microsoft.com/office/powerpoint/2010/main" val="3151027850"/>
+      </p:ext>
+    </p:extLst>
+  </p:cSld>
+  <p:clrMapOvr>
+    <a:masterClrMapping/>
+  </p:clrMapOvr>
+</p:notes>
+</file>
+
+<file path=ppt/notesSlides/notesSlide7.xml><?xml version="1.0" encoding="utf-8"?>
 <p:notes xmlns:a="http://schemas.openxmlformats.org/drawingml/2006/main" xmlns:r="http://schemas.openxmlformats.org/officeDocument/2006/relationships" xmlns:p="http://schemas.openxmlformats.org/presentationml/2006/main" showMasterSp="0" showMasterPhAnim="0">
   <p:cSld>
     <p:spTree>
@@ -1168,11 +1252,6 @@
         </p:txBody>
       </p:sp>
     </p:spTree>
-    <p:extLst>
-      <p:ext uri="{BB962C8B-B14F-4D97-AF65-F5344CB8AC3E}">
-        <p14:creationId xmlns:p14="http://schemas.microsoft.com/office/powerpoint/2010/main" val="138821827"/>
-      </p:ext>
-    </p:extLst>
   </p:cSld>
   <p:clrMapOvr>
     <a:masterClrMapping/>
@@ -1180,7 +1259,7 @@
 </p:notes>
 </file>
 
-<file path=ppt/notesSlides/notesSlide3.xml><?xml version="1.0" encoding="utf-8"?>
+<file path=ppt/notesSlides/notesSlide8.xml><?xml version="1.0" encoding="utf-8"?>
 <p:notes xmlns:a="http://schemas.openxmlformats.org/drawingml/2006/main" xmlns:r="http://schemas.openxmlformats.org/officeDocument/2006/relationships" xmlns:p="http://schemas.openxmlformats.org/presentationml/2006/main" showMasterSp="0" showMasterPhAnim="0">
   <p:cSld>
     <p:spTree>
@@ -1284,11 +1363,6 @@
         </p:txBody>
       </p:sp>
     </p:spTree>
-    <p:extLst>
-      <p:ext uri="{BB962C8B-B14F-4D97-AF65-F5344CB8AC3E}">
-        <p14:creationId xmlns:p14="http://schemas.microsoft.com/office/powerpoint/2010/main" val="2189643892"/>
-      </p:ext>
-    </p:extLst>
   </p:cSld>
   <p:clrMapOvr>
     <a:masterClrMapping/>
@@ -1296,7 +1370,7 @@
 </p:notes>
 </file>
 
-<file path=ppt/notesSlides/notesSlide4.xml><?xml version="1.0" encoding="utf-8"?>
+<file path=ppt/notesSlides/notesSlide9.xml><?xml version="1.0" encoding="utf-8"?>
 <p:notes xmlns:a="http://schemas.openxmlformats.org/drawingml/2006/main" xmlns:r="http://schemas.openxmlformats.org/officeDocument/2006/relationships" xmlns:p="http://schemas.openxmlformats.org/presentationml/2006/main" showMasterSp="0" showMasterPhAnim="0">
   <p:cSld>
     <p:spTree>
@@ -1400,548 +1474,6 @@
         </p:txBody>
       </p:sp>
     </p:spTree>
-    <p:extLst>
-      <p:ext uri="{BB962C8B-B14F-4D97-AF65-F5344CB8AC3E}">
-        <p14:creationId xmlns:p14="http://schemas.microsoft.com/office/powerpoint/2010/main" val="3046462791"/>
-      </p:ext>
-    </p:extLst>
-  </p:cSld>
-  <p:clrMapOvr>
-    <a:masterClrMapping/>
-  </p:clrMapOvr>
-</p:notes>
-</file>
-
-<file path=ppt/notesSlides/notesSlide5.xml><?xml version="1.0" encoding="utf-8"?>
-<p:notes xmlns:a="http://schemas.openxmlformats.org/drawingml/2006/main" xmlns:r="http://schemas.openxmlformats.org/officeDocument/2006/relationships" xmlns:p="http://schemas.openxmlformats.org/presentationml/2006/main" showMasterSp="0" showMasterPhAnim="0">
-  <p:cSld>
-    <p:spTree>
-      <p:nvGrpSpPr>
-        <p:cNvPr id="1" name="Shape 31"/>
-        <p:cNvGrpSpPr/>
-        <p:nvPr/>
-      </p:nvGrpSpPr>
-      <p:grpSpPr>
-        <a:xfrm>
-          <a:off x="0" y="0"/>
-          <a:ext cx="0" cy="0"/>
-          <a:chOff x="0" y="0"/>
-          <a:chExt cx="0" cy="0"/>
-        </a:xfrm>
-      </p:grpSpPr>
-      <p:sp>
-        <p:nvSpPr>
-          <p:cNvPr id="32" name="Shape 32"/>
-          <p:cNvSpPr>
-            <a:spLocks noGrp="1" noRot="1" noChangeAspect="1"/>
-          </p:cNvSpPr>
-          <p:nvPr>
-            <p:ph type="sldImg" idx="2"/>
-          </p:nvPr>
-        </p:nvSpPr>
-        <p:spPr>
-          <a:xfrm>
-            <a:off x="1143000" y="685800"/>
-            <a:ext cx="4572000" cy="3429000"/>
-          </a:xfrm>
-          <a:custGeom>
-            <a:avLst/>
-            <a:gdLst/>
-            <a:ahLst/>
-            <a:cxnLst/>
-            <a:rect l="0" t="0" r="0" b="0"/>
-            <a:pathLst>
-              <a:path w="120000" h="120000" extrusionOk="0">
-                <a:moveTo>
-                  <a:pt x="0" y="0"/>
-                </a:moveTo>
-                <a:lnTo>
-                  <a:pt x="120000" y="0"/>
-                </a:lnTo>
-                <a:lnTo>
-                  <a:pt x="120000" y="120000"/>
-                </a:lnTo>
-                <a:lnTo>
-                  <a:pt x="0" y="120000"/>
-                </a:lnTo>
-                <a:close/>
-              </a:path>
-            </a:pathLst>
-          </a:custGeom>
-          <a:noFill/>
-          <a:ln w="9525" cap="flat">
-            <a:solidFill>
-              <a:srgbClr val="000000"/>
-            </a:solidFill>
-            <a:prstDash val="solid"/>
-            <a:round/>
-            <a:headEnd type="none" w="med" len="med"/>
-            <a:tailEnd type="none" w="med" len="med"/>
-          </a:ln>
-        </p:spPr>
-      </p:sp>
-      <p:sp>
-        <p:nvSpPr>
-          <p:cNvPr id="33" name="Shape 33"/>
-          <p:cNvSpPr txBox="1">
-            <a:spLocks noGrp="1"/>
-          </p:cNvSpPr>
-          <p:nvPr>
-            <p:ph type="body" idx="1"/>
-          </p:nvPr>
-        </p:nvSpPr>
-        <p:spPr>
-          <a:xfrm>
-            <a:off x="685800" y="4343400"/>
-            <a:ext cx="5486399" cy="4114800"/>
-          </a:xfrm>
-          <a:prstGeom prst="rect">
-            <a:avLst/>
-          </a:prstGeom>
-        </p:spPr>
-        <p:txBody>
-          <a:bodyPr lIns="91425" tIns="91425" rIns="91425" bIns="91425" anchor="t" anchorCtr="0">
-            <a:noAutofit/>
-          </a:bodyPr>
-          <a:lstStyle/>
-          <a:p>
-            <a:pPr>
-              <a:spcBef>
-                <a:spcPts val="0"/>
-              </a:spcBef>
-              <a:buNone/>
-            </a:pPr>
-            <a:endParaRPr/>
-          </a:p>
-        </p:txBody>
-      </p:sp>
-    </p:spTree>
-    <p:extLst>
-      <p:ext uri="{BB962C8B-B14F-4D97-AF65-F5344CB8AC3E}">
-        <p14:creationId xmlns:p14="http://schemas.microsoft.com/office/powerpoint/2010/main" val="1764306385"/>
-      </p:ext>
-    </p:extLst>
-  </p:cSld>
-  <p:clrMapOvr>
-    <a:masterClrMapping/>
-  </p:clrMapOvr>
-</p:notes>
-</file>
-
-<file path=ppt/notesSlides/notesSlide6.xml><?xml version="1.0" encoding="utf-8"?>
-<p:notes xmlns:a="http://schemas.openxmlformats.org/drawingml/2006/main" xmlns:r="http://schemas.openxmlformats.org/officeDocument/2006/relationships" xmlns:p="http://schemas.openxmlformats.org/presentationml/2006/main">
-  <p:cSld>
-    <p:spTree>
-      <p:nvGrpSpPr>
-        <p:cNvPr id="1" name=""/>
-        <p:cNvGrpSpPr/>
-        <p:nvPr/>
-      </p:nvGrpSpPr>
-      <p:grpSpPr>
-        <a:xfrm>
-          <a:off x="0" y="0"/>
-          <a:ext cx="0" cy="0"/>
-          <a:chOff x="0" y="0"/>
-          <a:chExt cx="0" cy="0"/>
-        </a:xfrm>
-      </p:grpSpPr>
-      <p:sp>
-        <p:nvSpPr>
-          <p:cNvPr id="2" name="Slide Image Placeholder 1"/>
-          <p:cNvSpPr>
-            <a:spLocks noGrp="1" noRot="1" noChangeAspect="1"/>
-          </p:cNvSpPr>
-          <p:nvPr>
-            <p:ph type="sldImg"/>
-          </p:nvPr>
-        </p:nvSpPr>
-        <p:spPr/>
-      </p:sp>
-      <p:sp>
-        <p:nvSpPr>
-          <p:cNvPr id="3" name="Notes Placeholder 2"/>
-          <p:cNvSpPr>
-            <a:spLocks noGrp="1"/>
-          </p:cNvSpPr>
-          <p:nvPr>
-            <p:ph type="body" idx="1"/>
-          </p:nvPr>
-        </p:nvSpPr>
-        <p:spPr/>
-        <p:txBody>
-          <a:bodyPr/>
-          <a:lstStyle/>
-          <a:p>
-            <a:r>
-              <a:rPr lang="en-US" smtClean="0"/>
-              <a:t>PAY IT FORWARD</a:t>
-            </a:r>
-            <a:endParaRPr lang="en-US"/>
-          </a:p>
-        </p:txBody>
-      </p:sp>
-      <p:sp>
-        <p:nvSpPr>
-          <p:cNvPr id="4" name="Slide Number Placeholder 3"/>
-          <p:cNvSpPr>
-            <a:spLocks noGrp="1"/>
-          </p:cNvSpPr>
-          <p:nvPr>
-            <p:ph type="sldNum" sz="quarter" idx="10"/>
-          </p:nvPr>
-        </p:nvSpPr>
-        <p:spPr/>
-        <p:txBody>
-          <a:bodyPr/>
-          <a:lstStyle/>
-          <a:p>
-            <a:fld id="{47510E77-FC52-4747-BB0B-6F848EB8C17D}" type="slidenum">
-              <a:rPr lang="en-US" smtClean="0"/>
-              <a:t>7</a:t>
-            </a:fld>
-            <a:endParaRPr lang="en-US"/>
-          </a:p>
-        </p:txBody>
-      </p:sp>
-    </p:spTree>
-    <p:extLst>
-      <p:ext uri="{BB962C8B-B14F-4D97-AF65-F5344CB8AC3E}">
-        <p14:creationId xmlns:p14="http://schemas.microsoft.com/office/powerpoint/2010/main" val="3151027850"/>
-      </p:ext>
-    </p:extLst>
-  </p:cSld>
-  <p:clrMapOvr>
-    <a:masterClrMapping/>
-  </p:clrMapOvr>
-</p:notes>
-</file>
-
-<file path=ppt/notesSlides/notesSlide7.xml><?xml version="1.0" encoding="utf-8"?>
-<p:notes xmlns:a="http://schemas.openxmlformats.org/drawingml/2006/main" xmlns:r="http://schemas.openxmlformats.org/officeDocument/2006/relationships" xmlns:p="http://schemas.openxmlformats.org/presentationml/2006/main" showMasterSp="0" showMasterPhAnim="0">
-  <p:cSld>
-    <p:spTree>
-      <p:nvGrpSpPr>
-        <p:cNvPr id="1" name="Shape 31"/>
-        <p:cNvGrpSpPr/>
-        <p:nvPr/>
-      </p:nvGrpSpPr>
-      <p:grpSpPr>
-        <a:xfrm>
-          <a:off x="0" y="0"/>
-          <a:ext cx="0" cy="0"/>
-          <a:chOff x="0" y="0"/>
-          <a:chExt cx="0" cy="0"/>
-        </a:xfrm>
-      </p:grpSpPr>
-      <p:sp>
-        <p:nvSpPr>
-          <p:cNvPr id="32" name="Shape 32"/>
-          <p:cNvSpPr>
-            <a:spLocks noGrp="1" noRot="1" noChangeAspect="1"/>
-          </p:cNvSpPr>
-          <p:nvPr>
-            <p:ph type="sldImg" idx="2"/>
-          </p:nvPr>
-        </p:nvSpPr>
-        <p:spPr>
-          <a:xfrm>
-            <a:off x="1143000" y="685800"/>
-            <a:ext cx="4572000" cy="3429000"/>
-          </a:xfrm>
-          <a:custGeom>
-            <a:avLst/>
-            <a:gdLst/>
-            <a:ahLst/>
-            <a:cxnLst/>
-            <a:rect l="0" t="0" r="0" b="0"/>
-            <a:pathLst>
-              <a:path w="120000" h="120000" extrusionOk="0">
-                <a:moveTo>
-                  <a:pt x="0" y="0"/>
-                </a:moveTo>
-                <a:lnTo>
-                  <a:pt x="120000" y="0"/>
-                </a:lnTo>
-                <a:lnTo>
-                  <a:pt x="120000" y="120000"/>
-                </a:lnTo>
-                <a:lnTo>
-                  <a:pt x="0" y="120000"/>
-                </a:lnTo>
-                <a:close/>
-              </a:path>
-            </a:pathLst>
-          </a:custGeom>
-          <a:noFill/>
-          <a:ln w="9525" cap="flat">
-            <a:solidFill>
-              <a:srgbClr val="000000"/>
-            </a:solidFill>
-            <a:prstDash val="solid"/>
-            <a:round/>
-            <a:headEnd type="none" w="med" len="med"/>
-            <a:tailEnd type="none" w="med" len="med"/>
-          </a:ln>
-        </p:spPr>
-      </p:sp>
-      <p:sp>
-        <p:nvSpPr>
-          <p:cNvPr id="33" name="Shape 33"/>
-          <p:cNvSpPr txBox="1">
-            <a:spLocks noGrp="1"/>
-          </p:cNvSpPr>
-          <p:nvPr>
-            <p:ph type="body" idx="1"/>
-          </p:nvPr>
-        </p:nvSpPr>
-        <p:spPr>
-          <a:xfrm>
-            <a:off x="685800" y="4343400"/>
-            <a:ext cx="5486399" cy="4114800"/>
-          </a:xfrm>
-          <a:prstGeom prst="rect">
-            <a:avLst/>
-          </a:prstGeom>
-        </p:spPr>
-        <p:txBody>
-          <a:bodyPr lIns="91425" tIns="91425" rIns="91425" bIns="91425" anchor="t" anchorCtr="0">
-            <a:noAutofit/>
-          </a:bodyPr>
-          <a:lstStyle/>
-          <a:p>
-            <a:pPr>
-              <a:spcBef>
-                <a:spcPts val="0"/>
-              </a:spcBef>
-              <a:buNone/>
-            </a:pPr>
-            <a:endParaRPr/>
-          </a:p>
-        </p:txBody>
-      </p:sp>
-    </p:spTree>
-  </p:cSld>
-  <p:clrMapOvr>
-    <a:masterClrMapping/>
-  </p:clrMapOvr>
-</p:notes>
-</file>
-
-<file path=ppt/notesSlides/notesSlide8.xml><?xml version="1.0" encoding="utf-8"?>
-<p:notes xmlns:a="http://schemas.openxmlformats.org/drawingml/2006/main" xmlns:r="http://schemas.openxmlformats.org/officeDocument/2006/relationships" xmlns:p="http://schemas.openxmlformats.org/presentationml/2006/main" showMasterSp="0" showMasterPhAnim="0">
-  <p:cSld>
-    <p:spTree>
-      <p:nvGrpSpPr>
-        <p:cNvPr id="1" name="Shape 31"/>
-        <p:cNvGrpSpPr/>
-        <p:nvPr/>
-      </p:nvGrpSpPr>
-      <p:grpSpPr>
-        <a:xfrm>
-          <a:off x="0" y="0"/>
-          <a:ext cx="0" cy="0"/>
-          <a:chOff x="0" y="0"/>
-          <a:chExt cx="0" cy="0"/>
-        </a:xfrm>
-      </p:grpSpPr>
-      <p:sp>
-        <p:nvSpPr>
-          <p:cNvPr id="32" name="Shape 32"/>
-          <p:cNvSpPr>
-            <a:spLocks noGrp="1" noRot="1" noChangeAspect="1"/>
-          </p:cNvSpPr>
-          <p:nvPr>
-            <p:ph type="sldImg" idx="2"/>
-          </p:nvPr>
-        </p:nvSpPr>
-        <p:spPr>
-          <a:xfrm>
-            <a:off x="1143000" y="685800"/>
-            <a:ext cx="4572000" cy="3429000"/>
-          </a:xfrm>
-          <a:custGeom>
-            <a:avLst/>
-            <a:gdLst/>
-            <a:ahLst/>
-            <a:cxnLst/>
-            <a:rect l="0" t="0" r="0" b="0"/>
-            <a:pathLst>
-              <a:path w="120000" h="120000" extrusionOk="0">
-                <a:moveTo>
-                  <a:pt x="0" y="0"/>
-                </a:moveTo>
-                <a:lnTo>
-                  <a:pt x="120000" y="0"/>
-                </a:lnTo>
-                <a:lnTo>
-                  <a:pt x="120000" y="120000"/>
-                </a:lnTo>
-                <a:lnTo>
-                  <a:pt x="0" y="120000"/>
-                </a:lnTo>
-                <a:close/>
-              </a:path>
-            </a:pathLst>
-          </a:custGeom>
-          <a:noFill/>
-          <a:ln w="9525" cap="flat">
-            <a:solidFill>
-              <a:srgbClr val="000000"/>
-            </a:solidFill>
-            <a:prstDash val="solid"/>
-            <a:round/>
-            <a:headEnd type="none" w="med" len="med"/>
-            <a:tailEnd type="none" w="med" len="med"/>
-          </a:ln>
-        </p:spPr>
-      </p:sp>
-      <p:sp>
-        <p:nvSpPr>
-          <p:cNvPr id="33" name="Shape 33"/>
-          <p:cNvSpPr txBox="1">
-            <a:spLocks noGrp="1"/>
-          </p:cNvSpPr>
-          <p:nvPr>
-            <p:ph type="body" idx="1"/>
-          </p:nvPr>
-        </p:nvSpPr>
-        <p:spPr>
-          <a:xfrm>
-            <a:off x="685800" y="4343400"/>
-            <a:ext cx="5486399" cy="4114800"/>
-          </a:xfrm>
-          <a:prstGeom prst="rect">
-            <a:avLst/>
-          </a:prstGeom>
-        </p:spPr>
-        <p:txBody>
-          <a:bodyPr lIns="91425" tIns="91425" rIns="91425" bIns="91425" anchor="t" anchorCtr="0">
-            <a:noAutofit/>
-          </a:bodyPr>
-          <a:lstStyle/>
-          <a:p>
-            <a:pPr>
-              <a:spcBef>
-                <a:spcPts val="0"/>
-              </a:spcBef>
-              <a:buNone/>
-            </a:pPr>
-            <a:endParaRPr/>
-          </a:p>
-        </p:txBody>
-      </p:sp>
-    </p:spTree>
-  </p:cSld>
-  <p:clrMapOvr>
-    <a:masterClrMapping/>
-  </p:clrMapOvr>
-</p:notes>
-</file>
-
-<file path=ppt/notesSlides/notesSlide9.xml><?xml version="1.0" encoding="utf-8"?>
-<p:notes xmlns:a="http://schemas.openxmlformats.org/drawingml/2006/main" xmlns:r="http://schemas.openxmlformats.org/officeDocument/2006/relationships" xmlns:p="http://schemas.openxmlformats.org/presentationml/2006/main" showMasterSp="0" showMasterPhAnim="0">
-  <p:cSld>
-    <p:spTree>
-      <p:nvGrpSpPr>
-        <p:cNvPr id="1" name="Shape 31"/>
-        <p:cNvGrpSpPr/>
-        <p:nvPr/>
-      </p:nvGrpSpPr>
-      <p:grpSpPr>
-        <a:xfrm>
-          <a:off x="0" y="0"/>
-          <a:ext cx="0" cy="0"/>
-          <a:chOff x="0" y="0"/>
-          <a:chExt cx="0" cy="0"/>
-        </a:xfrm>
-      </p:grpSpPr>
-      <p:sp>
-        <p:nvSpPr>
-          <p:cNvPr id="32" name="Shape 32"/>
-          <p:cNvSpPr>
-            <a:spLocks noGrp="1" noRot="1" noChangeAspect="1"/>
-          </p:cNvSpPr>
-          <p:nvPr>
-            <p:ph type="sldImg" idx="2"/>
-          </p:nvPr>
-        </p:nvSpPr>
-        <p:spPr>
-          <a:xfrm>
-            <a:off x="1143000" y="685800"/>
-            <a:ext cx="4572000" cy="3429000"/>
-          </a:xfrm>
-          <a:custGeom>
-            <a:avLst/>
-            <a:gdLst/>
-            <a:ahLst/>
-            <a:cxnLst/>
-            <a:rect l="0" t="0" r="0" b="0"/>
-            <a:pathLst>
-              <a:path w="120000" h="120000" extrusionOk="0">
-                <a:moveTo>
-                  <a:pt x="0" y="0"/>
-                </a:moveTo>
-                <a:lnTo>
-                  <a:pt x="120000" y="0"/>
-                </a:lnTo>
-                <a:lnTo>
-                  <a:pt x="120000" y="120000"/>
-                </a:lnTo>
-                <a:lnTo>
-                  <a:pt x="0" y="120000"/>
-                </a:lnTo>
-                <a:close/>
-              </a:path>
-            </a:pathLst>
-          </a:custGeom>
-          <a:noFill/>
-          <a:ln w="9525" cap="flat">
-            <a:solidFill>
-              <a:srgbClr val="000000"/>
-            </a:solidFill>
-            <a:prstDash val="solid"/>
-            <a:round/>
-            <a:headEnd type="none" w="med" len="med"/>
-            <a:tailEnd type="none" w="med" len="med"/>
-          </a:ln>
-        </p:spPr>
-      </p:sp>
-      <p:sp>
-        <p:nvSpPr>
-          <p:cNvPr id="33" name="Shape 33"/>
-          <p:cNvSpPr txBox="1">
-            <a:spLocks noGrp="1"/>
-          </p:cNvSpPr>
-          <p:nvPr>
-            <p:ph type="body" idx="1"/>
-          </p:nvPr>
-        </p:nvSpPr>
-        <p:spPr>
-          <a:xfrm>
-            <a:off x="685800" y="4343400"/>
-            <a:ext cx="5486399" cy="4114800"/>
-          </a:xfrm>
-          <a:prstGeom prst="rect">
-            <a:avLst/>
-          </a:prstGeom>
-        </p:spPr>
-        <p:txBody>
-          <a:bodyPr lIns="91425" tIns="91425" rIns="91425" bIns="91425" anchor="t" anchorCtr="0">
-            <a:noAutofit/>
-          </a:bodyPr>
-          <a:lstStyle/>
-          <a:p>
-            <a:pPr>
-              <a:spcBef>
-                <a:spcPts val="0"/>
-              </a:spcBef>
-              <a:buNone/>
-            </a:pPr>
-            <a:endParaRPr/>
-          </a:p>
-        </p:txBody>
-      </p:sp>
-    </p:spTree>
   </p:cSld>
   <p:clrMapOvr>
     <a:masterClrMapping/>
@@ -2130,7 +1662,7 @@
           <a:p>
             <a:fld id="{7D246241-80F5-AC42-BC66-87EE2513DBA4}" type="datetimeFigureOut">
               <a:rPr lang="en-US" smtClean="0"/>
-              <a:t>6/6/2019</a:t>
+              <a:t>6/6/19</a:t>
             </a:fld>
             <a:endParaRPr lang="en-US"/>
           </a:p>
@@ -2300,7 +1832,7 @@
           <a:p>
             <a:fld id="{7D246241-80F5-AC42-BC66-87EE2513DBA4}" type="datetimeFigureOut">
               <a:rPr lang="en-US" smtClean="0"/>
-              <a:t>6/6/2019</a:t>
+              <a:t>6/6/19</a:t>
             </a:fld>
             <a:endParaRPr lang="en-US"/>
           </a:p>
@@ -2480,7 +2012,7 @@
           <a:p>
             <a:fld id="{7D246241-80F5-AC42-BC66-87EE2513DBA4}" type="datetimeFigureOut">
               <a:rPr lang="en-US" smtClean="0"/>
-              <a:t>6/6/2019</a:t>
+              <a:t>6/6/19</a:t>
             </a:fld>
             <a:endParaRPr lang="en-US"/>
           </a:p>
@@ -2955,7 +2487,7 @@
           <a:p>
             <a:fld id="{7D246241-80F5-AC42-BC66-87EE2513DBA4}" type="datetimeFigureOut">
               <a:rPr lang="en-US" smtClean="0"/>
-              <a:t>6/6/2019</a:t>
+              <a:t>6/6/19</a:t>
             </a:fld>
             <a:endParaRPr lang="en-US"/>
           </a:p>
@@ -3201,7 +2733,7 @@
           <a:p>
             <a:fld id="{7D246241-80F5-AC42-BC66-87EE2513DBA4}" type="datetimeFigureOut">
               <a:rPr lang="en-US" smtClean="0"/>
-              <a:t>6/6/2019</a:t>
+              <a:t>6/6/19</a:t>
             </a:fld>
             <a:endParaRPr lang="en-US"/>
           </a:p>
@@ -3489,7 +3021,7 @@
           <a:p>
             <a:fld id="{7D246241-80F5-AC42-BC66-87EE2513DBA4}" type="datetimeFigureOut">
               <a:rPr lang="en-US" smtClean="0"/>
-              <a:t>6/6/2019</a:t>
+              <a:t>6/6/19</a:t>
             </a:fld>
             <a:endParaRPr lang="en-US"/>
           </a:p>
@@ -3911,7 +3443,7 @@
           <a:p>
             <a:fld id="{7D246241-80F5-AC42-BC66-87EE2513DBA4}" type="datetimeFigureOut">
               <a:rPr lang="en-US" smtClean="0"/>
-              <a:t>6/6/2019</a:t>
+              <a:t>6/6/19</a:t>
             </a:fld>
             <a:endParaRPr lang="en-US"/>
           </a:p>
@@ -4029,7 +3561,7 @@
           <a:p>
             <a:fld id="{7D246241-80F5-AC42-BC66-87EE2513DBA4}" type="datetimeFigureOut">
               <a:rPr lang="en-US" smtClean="0"/>
-              <a:t>6/6/2019</a:t>
+              <a:t>6/6/19</a:t>
             </a:fld>
             <a:endParaRPr lang="en-US"/>
           </a:p>
@@ -4124,7 +3656,7 @@
           <a:p>
             <a:fld id="{7D246241-80F5-AC42-BC66-87EE2513DBA4}" type="datetimeFigureOut">
               <a:rPr lang="en-US" smtClean="0"/>
-              <a:t>6/6/2019</a:t>
+              <a:t>6/6/19</a:t>
             </a:fld>
             <a:endParaRPr lang="en-US"/>
           </a:p>
@@ -4401,7 +3933,7 @@
           <a:p>
             <a:fld id="{7D246241-80F5-AC42-BC66-87EE2513DBA4}" type="datetimeFigureOut">
               <a:rPr lang="en-US" smtClean="0"/>
-              <a:t>6/6/2019</a:t>
+              <a:t>6/6/19</a:t>
             </a:fld>
             <a:endParaRPr lang="en-US"/>
           </a:p>
@@ -4654,7 +4186,7 @@
           <a:p>
             <a:fld id="{7D246241-80F5-AC42-BC66-87EE2513DBA4}" type="datetimeFigureOut">
               <a:rPr lang="en-US" smtClean="0"/>
-              <a:t>6/6/2019</a:t>
+              <a:t>6/6/19</a:t>
             </a:fld>
             <a:endParaRPr lang="en-US"/>
           </a:p>
@@ -4867,7 +4399,7 @@
           <a:p>
             <a:fld id="{7D246241-80F5-AC42-BC66-87EE2513DBA4}" type="datetimeFigureOut">
               <a:rPr lang="en-US" smtClean="0"/>
-              <a:t>6/6/2019</a:t>
+              <a:t>6/6/19</a:t>
             </a:fld>
             <a:endParaRPr lang="en-US"/>
           </a:p>
@@ -5373,13 +4905,13 @@
   <p:clrMapOvr>
     <a:masterClrMapping/>
   </p:clrMapOvr>
-  <p:transition spd="slow">
+  <p:transition xmlns:p14="http://schemas.microsoft.com/office/powerpoint/2010/main" spd="slow">
     <p:cut/>
   </p:transition>
   <p:timing>
     <p:tnLst>
       <p:par>
-        <p:cTn id="1" dur="indefinite" restart="never" nodeType="tmRoot"/>
+        <p:cTn xmlns:p14="http://schemas.microsoft.com/office/powerpoint/2010/main" id="1" dur="indefinite" restart="never" nodeType="tmRoot"/>
       </p:par>
     </p:tnLst>
   </p:timing>
@@ -5555,1126 +5087,13 @@
   <p:clrMapOvr>
     <a:masterClrMapping/>
   </p:clrMapOvr>
-  <p:transition spd="slow">
+  <p:transition xmlns:p14="http://schemas.microsoft.com/office/powerpoint/2010/main" spd="slow">
     <p:cut/>
   </p:transition>
   <p:timing>
     <p:tnLst>
       <p:par>
-        <p:cTn id="1" dur="indefinite" restart="never" nodeType="tmRoot"/>
-      </p:par>
-    </p:tnLst>
-  </p:timing>
-</p:sld>
-</file>
-
-<file path=ppt/slides/slide11.xml><?xml version="1.0" encoding="utf-8"?>
-<p:sld xmlns:a="http://schemas.openxmlformats.org/drawingml/2006/main" xmlns:r="http://schemas.openxmlformats.org/officeDocument/2006/relationships" xmlns:p="http://schemas.openxmlformats.org/presentationml/2006/main">
-  <p:cSld>
-    <p:spTree>
-      <p:nvGrpSpPr>
-        <p:cNvPr id="1" name="Shape 28"/>
-        <p:cNvGrpSpPr/>
-        <p:nvPr/>
-      </p:nvGrpSpPr>
-      <p:grpSpPr>
-        <a:xfrm>
-          <a:off x="0" y="0"/>
-          <a:ext cx="0" cy="0"/>
-          <a:chOff x="0" y="0"/>
-          <a:chExt cx="0" cy="0"/>
-        </a:xfrm>
-      </p:grpSpPr>
-      <p:sp>
-        <p:nvSpPr>
-          <p:cNvPr id="29" name="Shape 29"/>
-          <p:cNvSpPr txBox="1">
-            <a:spLocks noGrp="1"/>
-          </p:cNvSpPr>
-          <p:nvPr>
-            <p:ph type="title"/>
-          </p:nvPr>
-        </p:nvSpPr>
-        <p:spPr>
-          <a:xfrm>
-            <a:off x="457200" y="274637"/>
-            <a:ext cx="8229600" cy="1143000"/>
-          </a:xfrm>
-          <a:prstGeom prst="rect">
-            <a:avLst/>
-          </a:prstGeom>
-        </p:spPr>
-        <p:txBody>
-          <a:bodyPr lIns="91425" tIns="91425" rIns="91425" bIns="91425" anchor="b" anchorCtr="0">
-            <a:noAutofit/>
-          </a:bodyPr>
-          <a:lstStyle/>
-          <a:p>
-            <a:pPr>
-              <a:spcBef>
-                <a:spcPts val="0"/>
-              </a:spcBef>
-              <a:buNone/>
-            </a:pPr>
-            <a:r>
-              <a:rPr lang="en-US" sz="7200" dirty="0" smtClean="0">
-                <a:solidFill>
-                  <a:srgbClr val="FF0000"/>
-                </a:solidFill>
-                <a:latin typeface="Yanone Kaffeesatz Bold"/>
-                <a:cs typeface="Yanone Kaffeesatz Bold"/>
-              </a:rPr>
-              <a:t>When to Scrape?</a:t>
-            </a:r>
-            <a:endParaRPr lang="en" sz="7200" dirty="0">
-              <a:solidFill>
-                <a:srgbClr val="FF0000"/>
-              </a:solidFill>
-              <a:latin typeface="Yanone Kaffeesatz Bold"/>
-              <a:cs typeface="Yanone Kaffeesatz Bold"/>
-            </a:endParaRPr>
-          </a:p>
-        </p:txBody>
-      </p:sp>
-      <p:sp>
-        <p:nvSpPr>
-          <p:cNvPr id="30" name="Shape 30"/>
-          <p:cNvSpPr txBox="1">
-            <a:spLocks noGrp="1"/>
-          </p:cNvSpPr>
-          <p:nvPr>
-            <p:ph type="body" idx="1"/>
-          </p:nvPr>
-        </p:nvSpPr>
-        <p:spPr>
-          <a:xfrm>
-            <a:off x="457200" y="1600200"/>
-            <a:ext cx="8229600" cy="4967700"/>
-          </a:xfrm>
-          <a:prstGeom prst="rect">
-            <a:avLst/>
-          </a:prstGeom>
-        </p:spPr>
-        <p:txBody>
-          <a:bodyPr lIns="91425" tIns="91425" rIns="91425" bIns="91425" anchor="t" anchorCtr="0">
-            <a:noAutofit/>
-          </a:bodyPr>
-          <a:lstStyle/>
-          <a:p>
-            <a:pPr marL="457200" lvl="0" indent="-419100" rtl="0">
-              <a:lnSpc>
-                <a:spcPct val="130000"/>
-              </a:lnSpc>
-              <a:spcBef>
-                <a:spcPts val="0"/>
-              </a:spcBef>
-              <a:buClr>
-                <a:schemeClr val="dk1"/>
-              </a:buClr>
-              <a:buSzPct val="100000"/>
-              <a:buFont typeface="Arial"/>
-              <a:buChar char="●"/>
-            </a:pPr>
-            <a:r>
-              <a:rPr lang="en-US" dirty="0" smtClean="0"/>
-              <a:t>Ask:</a:t>
-            </a:r>
-          </a:p>
-          <a:p>
-            <a:pPr marL="857250" lvl="1" indent="-419100">
-              <a:lnSpc>
-                <a:spcPct val="130000"/>
-              </a:lnSpc>
-              <a:buClr>
-                <a:schemeClr val="dk1"/>
-              </a:buClr>
-              <a:buSzPct val="100000"/>
-              <a:buFont typeface="Arial"/>
-              <a:buChar char="●"/>
-            </a:pPr>
-            <a:r>
-              <a:rPr lang="en-US" dirty="0" smtClean="0"/>
-              <a:t>Will they just give me the data?</a:t>
-            </a:r>
-          </a:p>
-          <a:p>
-            <a:pPr marL="857250" lvl="1" indent="-419100">
-              <a:lnSpc>
-                <a:spcPct val="130000"/>
-              </a:lnSpc>
-              <a:buClr>
-                <a:schemeClr val="dk1"/>
-              </a:buClr>
-              <a:buSzPct val="100000"/>
-              <a:buFont typeface="Arial"/>
-              <a:buChar char="●"/>
-            </a:pPr>
-            <a:r>
-              <a:rPr lang="en-US" dirty="0" smtClean="0"/>
-              <a:t>Do they have an API I can use instead?</a:t>
-            </a:r>
-          </a:p>
-          <a:p>
-            <a:pPr marL="857250" lvl="1" indent="-419100">
-              <a:lnSpc>
-                <a:spcPct val="130000"/>
-              </a:lnSpc>
-              <a:buClr>
-                <a:schemeClr val="dk1"/>
-              </a:buClr>
-              <a:buSzPct val="100000"/>
-              <a:buFont typeface="Arial"/>
-              <a:buChar char="●"/>
-            </a:pPr>
-            <a:r>
-              <a:rPr lang="en-US" dirty="0" smtClean="0"/>
-              <a:t>Do the have a terms of service I can see?</a:t>
-            </a:r>
-          </a:p>
-          <a:p>
-            <a:pPr marL="857250" lvl="1" indent="-419100">
-              <a:lnSpc>
-                <a:spcPct val="130000"/>
-              </a:lnSpc>
-              <a:buClr>
-                <a:schemeClr val="dk1"/>
-              </a:buClr>
-              <a:buSzPct val="100000"/>
-              <a:buFont typeface="Arial"/>
-              <a:buChar char="●"/>
-            </a:pPr>
-            <a:r>
-              <a:rPr lang="en-US" dirty="0" smtClean="0"/>
-              <a:t>Would I have to log in?</a:t>
-            </a:r>
-          </a:p>
-          <a:p>
-            <a:pPr marL="857250" lvl="1" indent="-419100">
-              <a:lnSpc>
-                <a:spcPct val="130000"/>
-              </a:lnSpc>
-              <a:buClr>
-                <a:schemeClr val="dk1"/>
-              </a:buClr>
-              <a:buSzPct val="100000"/>
-              <a:buFont typeface="Arial"/>
-              <a:buChar char="●"/>
-            </a:pPr>
-            <a:r>
-              <a:rPr lang="en-US" dirty="0" smtClean="0"/>
-              <a:t>Can the URLs be worked around in Python?</a:t>
-            </a:r>
-          </a:p>
-          <a:p>
-            <a:pPr marL="857250" lvl="1" indent="-419100">
-              <a:lnSpc>
-                <a:spcPct val="130000"/>
-              </a:lnSpc>
-              <a:buClr>
-                <a:schemeClr val="dk1"/>
-              </a:buClr>
-              <a:buSzPct val="100000"/>
-              <a:buFont typeface="Arial"/>
-              <a:buChar char="●"/>
-            </a:pPr>
-            <a:r>
-              <a:rPr lang="en-US" dirty="0" smtClean="0"/>
-              <a:t>Is it worth it?</a:t>
-            </a:r>
-            <a:endParaRPr lang="en-US" dirty="0" smtClean="0"/>
-          </a:p>
-        </p:txBody>
-      </p:sp>
-    </p:spTree>
-    <p:extLst>
-      <p:ext uri="{BB962C8B-B14F-4D97-AF65-F5344CB8AC3E}">
-        <p14:creationId xmlns:p14="http://schemas.microsoft.com/office/powerpoint/2010/main" val="4197172372"/>
-      </p:ext>
-    </p:extLst>
-  </p:cSld>
-  <p:clrMapOvr>
-    <a:masterClrMapping/>
-  </p:clrMapOvr>
-  <p:transition spd="slow">
-    <p:cut/>
-  </p:transition>
-  <p:timing>
-    <p:tnLst>
-      <p:par>
-        <p:cTn id="1" dur="indefinite" restart="never" nodeType="tmRoot"/>
-      </p:par>
-    </p:tnLst>
-  </p:timing>
-</p:sld>
-</file>
-
-<file path=ppt/slides/slide12.xml><?xml version="1.0" encoding="utf-8"?>
-<p:sld xmlns:a="http://schemas.openxmlformats.org/drawingml/2006/main" xmlns:r="http://schemas.openxmlformats.org/officeDocument/2006/relationships" xmlns:p="http://schemas.openxmlformats.org/presentationml/2006/main">
-  <p:cSld>
-    <p:spTree>
-      <p:nvGrpSpPr>
-        <p:cNvPr id="1" name="Shape 28"/>
-        <p:cNvGrpSpPr/>
-        <p:nvPr/>
-      </p:nvGrpSpPr>
-      <p:grpSpPr>
-        <a:xfrm>
-          <a:off x="0" y="0"/>
-          <a:ext cx="0" cy="0"/>
-          <a:chOff x="0" y="0"/>
-          <a:chExt cx="0" cy="0"/>
-        </a:xfrm>
-      </p:grpSpPr>
-      <p:sp>
-        <p:nvSpPr>
-          <p:cNvPr id="29" name="Shape 29"/>
-          <p:cNvSpPr txBox="1">
-            <a:spLocks noGrp="1"/>
-          </p:cNvSpPr>
-          <p:nvPr>
-            <p:ph type="title"/>
-          </p:nvPr>
-        </p:nvSpPr>
-        <p:spPr>
-          <a:xfrm>
-            <a:off x="457200" y="274637"/>
-            <a:ext cx="8229600" cy="1143000"/>
-          </a:xfrm>
-          <a:prstGeom prst="rect">
-            <a:avLst/>
-          </a:prstGeom>
-        </p:spPr>
-        <p:txBody>
-          <a:bodyPr lIns="91425" tIns="91425" rIns="91425" bIns="91425" anchor="b" anchorCtr="0">
-            <a:noAutofit/>
-          </a:bodyPr>
-          <a:lstStyle/>
-          <a:p>
-            <a:pPr>
-              <a:spcBef>
-                <a:spcPts val="0"/>
-              </a:spcBef>
-              <a:buNone/>
-            </a:pPr>
-            <a:r>
-              <a:rPr lang="en-US" sz="7200" dirty="0" smtClean="0">
-                <a:solidFill>
-                  <a:srgbClr val="FF0000"/>
-                </a:solidFill>
-                <a:latin typeface="Yanone Kaffeesatz Bold"/>
-                <a:cs typeface="Yanone Kaffeesatz Bold"/>
-              </a:rPr>
-              <a:t>How to start?</a:t>
-            </a:r>
-            <a:endParaRPr lang="en" sz="7200" dirty="0">
-              <a:solidFill>
-                <a:srgbClr val="FF0000"/>
-              </a:solidFill>
-              <a:latin typeface="Yanone Kaffeesatz Bold"/>
-              <a:cs typeface="Yanone Kaffeesatz Bold"/>
-            </a:endParaRPr>
-          </a:p>
-        </p:txBody>
-      </p:sp>
-      <p:sp>
-        <p:nvSpPr>
-          <p:cNvPr id="30" name="Shape 30"/>
-          <p:cNvSpPr txBox="1">
-            <a:spLocks noGrp="1"/>
-          </p:cNvSpPr>
-          <p:nvPr>
-            <p:ph type="body" idx="1"/>
-          </p:nvPr>
-        </p:nvSpPr>
-        <p:spPr>
-          <a:xfrm>
-            <a:off x="457200" y="1600200"/>
-            <a:ext cx="8229600" cy="4967700"/>
-          </a:xfrm>
-          <a:prstGeom prst="rect">
-            <a:avLst/>
-          </a:prstGeom>
-        </p:spPr>
-        <p:txBody>
-          <a:bodyPr lIns="91425" tIns="91425" rIns="91425" bIns="91425" anchor="t" anchorCtr="0">
-            <a:noAutofit/>
-          </a:bodyPr>
-          <a:lstStyle/>
-          <a:p>
-            <a:pPr marL="457200" lvl="0" indent="-419100" rtl="0">
-              <a:lnSpc>
-                <a:spcPct val="130000"/>
-              </a:lnSpc>
-              <a:spcBef>
-                <a:spcPts val="0"/>
-              </a:spcBef>
-              <a:buClr>
-                <a:schemeClr val="dk1"/>
-              </a:buClr>
-              <a:buSzPct val="100000"/>
-              <a:buFont typeface="Arial"/>
-              <a:buChar char="●"/>
-            </a:pPr>
-            <a:r>
-              <a:rPr lang="en-US" sz="2800" dirty="0" smtClean="0"/>
-              <a:t>To find code, google</a:t>
-            </a:r>
-          </a:p>
-          <a:p>
-            <a:pPr marL="457200" lvl="0" indent="-419100" rtl="0">
-              <a:lnSpc>
-                <a:spcPct val="130000"/>
-              </a:lnSpc>
-              <a:spcBef>
-                <a:spcPts val="0"/>
-              </a:spcBef>
-              <a:buClr>
-                <a:schemeClr val="dk1"/>
-              </a:buClr>
-              <a:buSzPct val="100000"/>
-              <a:buFont typeface="Arial"/>
-              <a:buChar char="●"/>
-            </a:pPr>
-            <a:r>
-              <a:rPr lang="en-US" sz="2800" dirty="0"/>
-              <a:t>p</a:t>
-            </a:r>
-            <a:r>
-              <a:rPr lang="en-US" sz="2800" dirty="0" smtClean="0"/>
-              <a:t>ython3 library “thing I want to do” “object of study”</a:t>
-            </a:r>
-          </a:p>
-          <a:p>
-            <a:pPr marL="457200" lvl="0" indent="-419100" rtl="0">
-              <a:lnSpc>
-                <a:spcPct val="130000"/>
-              </a:lnSpc>
-              <a:spcBef>
-                <a:spcPts val="0"/>
-              </a:spcBef>
-              <a:buClr>
-                <a:schemeClr val="dk1"/>
-              </a:buClr>
-              <a:buSzPct val="100000"/>
-              <a:buFont typeface="Arial"/>
-              <a:buChar char="●"/>
-            </a:pPr>
-            <a:r>
-              <a:rPr lang="en-US" sz="2800" dirty="0" smtClean="0"/>
-              <a:t>Ex: </a:t>
-            </a:r>
-          </a:p>
-          <a:p>
-            <a:pPr marL="857250" lvl="1" indent="-419100">
-              <a:lnSpc>
-                <a:spcPct val="130000"/>
-              </a:lnSpc>
-              <a:buClr>
-                <a:schemeClr val="dk1"/>
-              </a:buClr>
-              <a:buSzPct val="100000"/>
-              <a:buFont typeface="Arial"/>
-              <a:buChar char="●"/>
-            </a:pPr>
-            <a:r>
-              <a:rPr lang="en-US" dirty="0" smtClean="0"/>
-              <a:t>python3 library for analyzing images</a:t>
-            </a:r>
-          </a:p>
-          <a:p>
-            <a:pPr marL="857250" lvl="1" indent="-419100">
-              <a:lnSpc>
-                <a:spcPct val="130000"/>
-              </a:lnSpc>
-              <a:buClr>
-                <a:schemeClr val="dk1"/>
-              </a:buClr>
-              <a:buSzPct val="100000"/>
-              <a:buFont typeface="Arial"/>
-              <a:buChar char="●"/>
-            </a:pPr>
-            <a:r>
-              <a:rPr lang="en-US" dirty="0"/>
-              <a:t>p</a:t>
-            </a:r>
-            <a:r>
-              <a:rPr lang="en-US" dirty="0" smtClean="0"/>
-              <a:t>ython3 library for getting proper nouns from strings</a:t>
-            </a:r>
-          </a:p>
-          <a:p>
-            <a:pPr marL="457200" indent="-419100">
-              <a:lnSpc>
-                <a:spcPct val="130000"/>
-              </a:lnSpc>
-              <a:buClr>
-                <a:schemeClr val="dk1"/>
-              </a:buClr>
-              <a:buSzPct val="100000"/>
-              <a:buFont typeface="Arial"/>
-              <a:buChar char="●"/>
-            </a:pPr>
-            <a:r>
-              <a:rPr lang="en-US" sz="2800" dirty="0" smtClean="0"/>
-              <a:t>Look on </a:t>
-            </a:r>
-            <a:r>
-              <a:rPr lang="en-US" sz="2800" dirty="0" err="1" smtClean="0"/>
-              <a:t>github</a:t>
-            </a:r>
-            <a:endParaRPr lang="en-US" sz="2800" dirty="0" smtClean="0"/>
-          </a:p>
-          <a:p>
-            <a:pPr marL="457200" indent="-419100">
-              <a:lnSpc>
-                <a:spcPct val="130000"/>
-              </a:lnSpc>
-              <a:buClr>
-                <a:schemeClr val="dk1"/>
-              </a:buClr>
-              <a:buSzPct val="100000"/>
-              <a:buFont typeface="Arial"/>
-              <a:buChar char="●"/>
-            </a:pPr>
-            <a:r>
-              <a:rPr lang="en-US" sz="2800" dirty="0" smtClean="0"/>
-              <a:t>Look at the documentation</a:t>
-            </a:r>
-            <a:endParaRPr lang="en-US" sz="2800" dirty="0" smtClean="0"/>
-          </a:p>
-          <a:p>
-            <a:pPr marL="457200" lvl="0" indent="-419100" rtl="0">
-              <a:lnSpc>
-                <a:spcPct val="130000"/>
-              </a:lnSpc>
-              <a:spcBef>
-                <a:spcPts val="0"/>
-              </a:spcBef>
-              <a:buClr>
-                <a:schemeClr val="dk1"/>
-              </a:buClr>
-              <a:buSzPct val="100000"/>
-              <a:buFont typeface="Arial"/>
-              <a:buChar char="●"/>
-            </a:pPr>
-            <a:endParaRPr lang="en-US" sz="2800" dirty="0" smtClean="0"/>
-          </a:p>
-        </p:txBody>
-      </p:sp>
-    </p:spTree>
-    <p:extLst>
-      <p:ext uri="{BB962C8B-B14F-4D97-AF65-F5344CB8AC3E}">
-        <p14:creationId xmlns:p14="http://schemas.microsoft.com/office/powerpoint/2010/main" val="1662646964"/>
-      </p:ext>
-    </p:extLst>
-  </p:cSld>
-  <p:clrMapOvr>
-    <a:masterClrMapping/>
-  </p:clrMapOvr>
-  <p:transition spd="slow">
-    <p:cut/>
-  </p:transition>
-  <p:timing>
-    <p:tnLst>
-      <p:par>
-        <p:cTn id="1" dur="indefinite" restart="never" nodeType="tmRoot"/>
-      </p:par>
-    </p:tnLst>
-  </p:timing>
-</p:sld>
-</file>
-
-<file path=ppt/slides/slide13.xml><?xml version="1.0" encoding="utf-8"?>
-<p:sld xmlns:a="http://schemas.openxmlformats.org/drawingml/2006/main" xmlns:r="http://schemas.openxmlformats.org/officeDocument/2006/relationships" xmlns:p="http://schemas.openxmlformats.org/presentationml/2006/main">
-  <p:cSld>
-    <p:spTree>
-      <p:nvGrpSpPr>
-        <p:cNvPr id="1" name="Shape 28"/>
-        <p:cNvGrpSpPr/>
-        <p:nvPr/>
-      </p:nvGrpSpPr>
-      <p:grpSpPr>
-        <a:xfrm>
-          <a:off x="0" y="0"/>
-          <a:ext cx="0" cy="0"/>
-          <a:chOff x="0" y="0"/>
-          <a:chExt cx="0" cy="0"/>
-        </a:xfrm>
-      </p:grpSpPr>
-      <p:sp>
-        <p:nvSpPr>
-          <p:cNvPr id="29" name="Shape 29"/>
-          <p:cNvSpPr txBox="1">
-            <a:spLocks noGrp="1"/>
-          </p:cNvSpPr>
-          <p:nvPr>
-            <p:ph type="title"/>
-          </p:nvPr>
-        </p:nvSpPr>
-        <p:spPr>
-          <a:xfrm>
-            <a:off x="457200" y="274637"/>
-            <a:ext cx="8229600" cy="1143000"/>
-          </a:xfrm>
-          <a:prstGeom prst="rect">
-            <a:avLst/>
-          </a:prstGeom>
-        </p:spPr>
-        <p:txBody>
-          <a:bodyPr lIns="91425" tIns="91425" rIns="91425" bIns="91425" anchor="b" anchorCtr="0">
-            <a:noAutofit/>
-          </a:bodyPr>
-          <a:lstStyle/>
-          <a:p>
-            <a:pPr>
-              <a:spcBef>
-                <a:spcPts val="0"/>
-              </a:spcBef>
-              <a:buNone/>
-            </a:pPr>
-            <a:r>
-              <a:rPr lang="en-US" sz="7200" dirty="0" smtClean="0">
-                <a:solidFill>
-                  <a:srgbClr val="FF0000"/>
-                </a:solidFill>
-                <a:latin typeface="Yanone Kaffeesatz Bold"/>
-                <a:cs typeface="Yanone Kaffeesatz Bold"/>
-              </a:rPr>
-              <a:t>How to start?</a:t>
-            </a:r>
-            <a:endParaRPr lang="en" sz="7200" dirty="0">
-              <a:solidFill>
-                <a:srgbClr val="FF0000"/>
-              </a:solidFill>
-              <a:latin typeface="Yanone Kaffeesatz Bold"/>
-              <a:cs typeface="Yanone Kaffeesatz Bold"/>
-            </a:endParaRPr>
-          </a:p>
-        </p:txBody>
-      </p:sp>
-      <p:sp>
-        <p:nvSpPr>
-          <p:cNvPr id="30" name="Shape 30"/>
-          <p:cNvSpPr txBox="1">
-            <a:spLocks noGrp="1"/>
-          </p:cNvSpPr>
-          <p:nvPr>
-            <p:ph type="body" idx="1"/>
-          </p:nvPr>
-        </p:nvSpPr>
-        <p:spPr>
-          <a:xfrm>
-            <a:off x="457200" y="1600200"/>
-            <a:ext cx="8229600" cy="4967700"/>
-          </a:xfrm>
-          <a:prstGeom prst="rect">
-            <a:avLst/>
-          </a:prstGeom>
-        </p:spPr>
-        <p:txBody>
-          <a:bodyPr lIns="91425" tIns="91425" rIns="91425" bIns="91425" anchor="t" anchorCtr="0">
-            <a:noAutofit/>
-          </a:bodyPr>
-          <a:lstStyle/>
-          <a:p>
-            <a:pPr marL="457200" lvl="0" indent="-419100" rtl="0">
-              <a:lnSpc>
-                <a:spcPct val="130000"/>
-              </a:lnSpc>
-              <a:spcBef>
-                <a:spcPts val="0"/>
-              </a:spcBef>
-              <a:buClr>
-                <a:schemeClr val="dk1"/>
-              </a:buClr>
-              <a:buSzPct val="100000"/>
-              <a:buFont typeface="Arial"/>
-              <a:buChar char="●"/>
-            </a:pPr>
-            <a:r>
-              <a:rPr lang="en-US" sz="2800" dirty="0" smtClean="0"/>
-              <a:t>Find projects similar to yours </a:t>
-            </a:r>
-          </a:p>
-          <a:p>
-            <a:pPr marL="857250" lvl="1" indent="-419100">
-              <a:lnSpc>
-                <a:spcPct val="130000"/>
-              </a:lnSpc>
-              <a:buClr>
-                <a:schemeClr val="dk1"/>
-              </a:buClr>
-              <a:buSzPct val="100000"/>
-              <a:buFont typeface="Arial"/>
-              <a:buChar char="●"/>
-            </a:pPr>
-            <a:r>
-              <a:rPr lang="en-US" sz="2400" dirty="0" smtClean="0"/>
-              <a:t>Is their code on </a:t>
-            </a:r>
-            <a:r>
-              <a:rPr lang="en-US" sz="2400" dirty="0" err="1" smtClean="0"/>
-              <a:t>github</a:t>
-            </a:r>
-            <a:r>
-              <a:rPr lang="en-US" sz="2400" dirty="0" smtClean="0"/>
-              <a:t>?</a:t>
-            </a:r>
-          </a:p>
-          <a:p>
-            <a:pPr marL="857250" lvl="1" indent="-419100">
-              <a:lnSpc>
-                <a:spcPct val="130000"/>
-              </a:lnSpc>
-              <a:buClr>
-                <a:schemeClr val="dk1"/>
-              </a:buClr>
-              <a:buSzPct val="100000"/>
-              <a:buFont typeface="Arial"/>
-              <a:buChar char="●"/>
-            </a:pPr>
-            <a:r>
-              <a:rPr lang="en-US" sz="2400" dirty="0" smtClean="0"/>
-              <a:t>Does their about page describe what they did?</a:t>
-            </a:r>
-          </a:p>
-          <a:p>
-            <a:pPr marL="857250" lvl="1" indent="-419100">
-              <a:lnSpc>
-                <a:spcPct val="130000"/>
-              </a:lnSpc>
-              <a:buClr>
-                <a:schemeClr val="dk1"/>
-              </a:buClr>
-              <a:buSzPct val="100000"/>
-              <a:buFont typeface="Arial"/>
-              <a:buChar char="●"/>
-            </a:pPr>
-            <a:r>
-              <a:rPr lang="en-US" sz="2400" dirty="0" smtClean="0"/>
-              <a:t>Can you ask them?</a:t>
-            </a:r>
-          </a:p>
-          <a:p>
-            <a:pPr marL="457200" indent="-419100">
-              <a:lnSpc>
-                <a:spcPct val="130000"/>
-              </a:lnSpc>
-              <a:buClr>
-                <a:schemeClr val="dk1"/>
-              </a:buClr>
-              <a:buSzPct val="100000"/>
-              <a:buFont typeface="Arial"/>
-              <a:buChar char="●"/>
-            </a:pPr>
-            <a:r>
-              <a:rPr lang="en-US" sz="2800" dirty="0" smtClean="0"/>
-              <a:t>Look at resources that exist online</a:t>
-            </a:r>
-          </a:p>
-          <a:p>
-            <a:pPr marL="857250" lvl="1" indent="-419100">
-              <a:lnSpc>
-                <a:spcPct val="130000"/>
-              </a:lnSpc>
-              <a:buClr>
-                <a:schemeClr val="dk1"/>
-              </a:buClr>
-              <a:buSzPct val="100000"/>
-              <a:buFont typeface="Arial"/>
-              <a:buChar char="●"/>
-            </a:pPr>
-            <a:r>
-              <a:rPr lang="en-US" sz="2400" dirty="0" smtClean="0"/>
-              <a:t>programminghistorian.org</a:t>
-            </a:r>
-          </a:p>
-          <a:p>
-            <a:pPr marL="857250" lvl="1" indent="-419100">
-              <a:lnSpc>
-                <a:spcPct val="130000"/>
-              </a:lnSpc>
-              <a:buClr>
-                <a:schemeClr val="dk1"/>
-              </a:buClr>
-              <a:buSzPct val="100000"/>
-              <a:buFont typeface="Arial"/>
-              <a:buChar char="●"/>
-            </a:pPr>
-            <a:r>
-              <a:rPr lang="en-US" sz="2400" dirty="0" smtClean="0"/>
-              <a:t>nltk.org/book</a:t>
-            </a:r>
-          </a:p>
-          <a:p>
-            <a:pPr marL="857250" lvl="1" indent="-419100">
-              <a:lnSpc>
-                <a:spcPct val="130000"/>
-              </a:lnSpc>
-              <a:buClr>
-                <a:schemeClr val="dk1"/>
-              </a:buClr>
-              <a:buSzPct val="100000"/>
-              <a:buFont typeface="Arial"/>
-              <a:buChar char="●"/>
-            </a:pPr>
-            <a:r>
-              <a:rPr lang="en-US" sz="2400" dirty="0" smtClean="0"/>
-              <a:t>Blogs! walshbr.com, scholarslab.org</a:t>
-            </a:r>
-          </a:p>
-          <a:p>
-            <a:pPr marL="857250" lvl="1" indent="-419100">
-              <a:lnSpc>
-                <a:spcPct val="130000"/>
-              </a:lnSpc>
-              <a:buClr>
-                <a:schemeClr val="dk1"/>
-              </a:buClr>
-              <a:buSzPct val="100000"/>
-              <a:buFont typeface="Arial"/>
-              <a:buChar char="●"/>
-            </a:pPr>
-            <a:endParaRPr lang="en-US" sz="2400" dirty="0" smtClean="0"/>
-          </a:p>
-        </p:txBody>
-      </p:sp>
-    </p:spTree>
-    <p:extLst>
-      <p:ext uri="{BB962C8B-B14F-4D97-AF65-F5344CB8AC3E}">
-        <p14:creationId xmlns:p14="http://schemas.microsoft.com/office/powerpoint/2010/main" val="3163090055"/>
-      </p:ext>
-    </p:extLst>
-  </p:cSld>
-  <p:clrMapOvr>
-    <a:masterClrMapping/>
-  </p:clrMapOvr>
-  <p:transition spd="slow">
-    <p:cut/>
-  </p:transition>
-  <p:timing>
-    <p:tnLst>
-      <p:par>
-        <p:cTn id="1" dur="indefinite" restart="never" nodeType="tmRoot"/>
-      </p:par>
-    </p:tnLst>
-  </p:timing>
-</p:sld>
-</file>
-
-<file path=ppt/slides/slide14.xml><?xml version="1.0" encoding="utf-8"?>
-<p:sld xmlns:a="http://schemas.openxmlformats.org/drawingml/2006/main" xmlns:r="http://schemas.openxmlformats.org/officeDocument/2006/relationships" xmlns:p="http://schemas.openxmlformats.org/presentationml/2006/main">
-  <p:cSld>
-    <p:spTree>
-      <p:nvGrpSpPr>
-        <p:cNvPr id="1" name="Shape 28"/>
-        <p:cNvGrpSpPr/>
-        <p:nvPr/>
-      </p:nvGrpSpPr>
-      <p:grpSpPr>
-        <a:xfrm>
-          <a:off x="0" y="0"/>
-          <a:ext cx="0" cy="0"/>
-          <a:chOff x="0" y="0"/>
-          <a:chExt cx="0" cy="0"/>
-        </a:xfrm>
-      </p:grpSpPr>
-      <p:sp>
-        <p:nvSpPr>
-          <p:cNvPr id="29" name="Shape 29"/>
-          <p:cNvSpPr txBox="1">
-            <a:spLocks noGrp="1"/>
-          </p:cNvSpPr>
-          <p:nvPr>
-            <p:ph type="title"/>
-          </p:nvPr>
-        </p:nvSpPr>
-        <p:spPr>
-          <a:xfrm>
-            <a:off x="457200" y="274637"/>
-            <a:ext cx="8229600" cy="1143000"/>
-          </a:xfrm>
-          <a:prstGeom prst="rect">
-            <a:avLst/>
-          </a:prstGeom>
-        </p:spPr>
-        <p:txBody>
-          <a:bodyPr lIns="91425" tIns="91425" rIns="91425" bIns="91425" anchor="b" anchorCtr="0">
-            <a:noAutofit/>
-          </a:bodyPr>
-          <a:lstStyle/>
-          <a:p>
-            <a:pPr>
-              <a:spcBef>
-                <a:spcPts val="0"/>
-              </a:spcBef>
-              <a:buNone/>
-            </a:pPr>
-            <a:r>
-              <a:rPr lang="en-US" sz="7200" dirty="0" smtClean="0">
-                <a:solidFill>
-                  <a:srgbClr val="FF0000"/>
-                </a:solidFill>
-                <a:latin typeface="Yanone Kaffeesatz Bold"/>
-                <a:cs typeface="Yanone Kaffeesatz Bold"/>
-              </a:rPr>
-              <a:t>How to teach?</a:t>
-            </a:r>
-            <a:endParaRPr lang="en" sz="7200" dirty="0">
-              <a:solidFill>
-                <a:srgbClr val="FF0000"/>
-              </a:solidFill>
-              <a:latin typeface="Yanone Kaffeesatz Bold"/>
-              <a:cs typeface="Yanone Kaffeesatz Bold"/>
-            </a:endParaRPr>
-          </a:p>
-        </p:txBody>
-      </p:sp>
-      <p:sp>
-        <p:nvSpPr>
-          <p:cNvPr id="30" name="Shape 30"/>
-          <p:cNvSpPr txBox="1">
-            <a:spLocks noGrp="1"/>
-          </p:cNvSpPr>
-          <p:nvPr>
-            <p:ph type="body" idx="1"/>
-          </p:nvPr>
-        </p:nvSpPr>
-        <p:spPr>
-          <a:xfrm>
-            <a:off x="457200" y="1600200"/>
-            <a:ext cx="8229600" cy="4967700"/>
-          </a:xfrm>
-          <a:prstGeom prst="rect">
-            <a:avLst/>
-          </a:prstGeom>
-        </p:spPr>
-        <p:txBody>
-          <a:bodyPr lIns="91425" tIns="91425" rIns="91425" bIns="91425" anchor="t" anchorCtr="0">
-            <a:noAutofit/>
-          </a:bodyPr>
-          <a:lstStyle/>
-          <a:p>
-            <a:pPr marL="857250" lvl="1" indent="-419100">
-              <a:lnSpc>
-                <a:spcPct val="130000"/>
-              </a:lnSpc>
-              <a:buClr>
-                <a:schemeClr val="dk1"/>
-              </a:buClr>
-              <a:buSzPct val="100000"/>
-              <a:buFont typeface="Arial"/>
-              <a:buChar char="●"/>
-            </a:pPr>
-            <a:r>
-              <a:rPr lang="en-US" sz="2400" dirty="0" smtClean="0"/>
-              <a:t>Big Resources</a:t>
-            </a:r>
-          </a:p>
-          <a:p>
-            <a:pPr marL="1257300" lvl="2" indent="-419100">
-              <a:lnSpc>
-                <a:spcPct val="130000"/>
-              </a:lnSpc>
-              <a:buClr>
-                <a:schemeClr val="dk1"/>
-              </a:buClr>
-              <a:buSzPct val="100000"/>
-              <a:buFont typeface="Arial"/>
-              <a:buChar char="●"/>
-            </a:pPr>
-            <a:r>
-              <a:rPr lang="en-US" sz="2000" dirty="0">
-                <a:hlinkClick r:id="rId3"/>
-              </a:rPr>
-              <a:t>https://jitp.commons.gc.cuny.edu</a:t>
-            </a:r>
-            <a:r>
-              <a:rPr lang="en-US" sz="2000" dirty="0" smtClean="0">
-                <a:hlinkClick r:id="rId3"/>
-              </a:rPr>
-              <a:t>/</a:t>
-            </a:r>
-            <a:endParaRPr lang="en-US" sz="2000" dirty="0" smtClean="0"/>
-          </a:p>
-          <a:p>
-            <a:pPr marL="1257300" lvl="2" indent="-419100">
-              <a:lnSpc>
-                <a:spcPct val="130000"/>
-              </a:lnSpc>
-              <a:buClr>
-                <a:schemeClr val="dk1"/>
-              </a:buClr>
-              <a:buSzPct val="100000"/>
-              <a:buFont typeface="Arial"/>
-              <a:buChar char="●"/>
-            </a:pPr>
-            <a:r>
-              <a:rPr lang="en-US" sz="2000" dirty="0" smtClean="0">
-                <a:hlinkClick r:id="rId4"/>
-              </a:rPr>
-              <a:t>http://codingpedagogy.net/index.html</a:t>
-            </a:r>
-            <a:endParaRPr lang="en-US" sz="2000" dirty="0" smtClean="0"/>
-          </a:p>
-          <a:p>
-            <a:pPr marL="1257300" lvl="2" indent="-419100">
-              <a:lnSpc>
-                <a:spcPct val="130000"/>
-              </a:lnSpc>
-              <a:buClr>
-                <a:schemeClr val="dk1"/>
-              </a:buClr>
-              <a:buSzPct val="100000"/>
-              <a:buFont typeface="Arial"/>
-              <a:buChar char="●"/>
-            </a:pPr>
-            <a:r>
-              <a:rPr lang="en-US" sz="2000"/>
-              <a:t>h</a:t>
-            </a:r>
-            <a:r>
-              <a:rPr lang="en-US" sz="2000" smtClean="0"/>
-              <a:t>ybridpedagogy.org</a:t>
-            </a:r>
-            <a:endParaRPr lang="en-US" sz="2000" dirty="0" smtClean="0"/>
-          </a:p>
-          <a:p>
-            <a:pPr marL="857250" lvl="1" indent="-419100">
-              <a:lnSpc>
-                <a:spcPct val="130000"/>
-              </a:lnSpc>
-              <a:buClr>
-                <a:schemeClr val="dk1"/>
-              </a:buClr>
-              <a:buSzPct val="100000"/>
-              <a:buFont typeface="Arial"/>
-              <a:buChar char="●"/>
-            </a:pPr>
-            <a:r>
-              <a:rPr lang="en-US" sz="2400" dirty="0" smtClean="0"/>
-              <a:t>“Beyond </a:t>
-            </a:r>
-            <a:r>
-              <a:rPr lang="en-US" sz="2400" dirty="0" err="1" smtClean="0"/>
-              <a:t>Buttonology</a:t>
-            </a:r>
-            <a:r>
-              <a:rPr lang="en-US" sz="2400" dirty="0" smtClean="0"/>
-              <a:t>” – Russell and Hensley</a:t>
-            </a:r>
-          </a:p>
-          <a:p>
-            <a:pPr marL="1257300" lvl="2" indent="-419100">
-              <a:lnSpc>
-                <a:spcPct val="130000"/>
-              </a:lnSpc>
-              <a:buClr>
-                <a:schemeClr val="dk1"/>
-              </a:buClr>
-              <a:buSzPct val="100000"/>
-              <a:buFont typeface="Arial"/>
-              <a:buChar char="●"/>
-            </a:pPr>
-            <a:r>
-              <a:rPr lang="en-US" sz="2000" dirty="0">
-                <a:hlinkClick r:id="rId5"/>
-              </a:rPr>
-              <a:t>https://</a:t>
-            </a:r>
-            <a:r>
-              <a:rPr lang="en-US" sz="2000" dirty="0" smtClean="0">
-                <a:hlinkClick r:id="rId5"/>
-              </a:rPr>
-              <a:t>crln.acrl.org/index.php/crlnews/article/view/16833/18427</a:t>
-            </a:r>
-            <a:endParaRPr lang="en-US" sz="2000" dirty="0" smtClean="0"/>
-          </a:p>
-          <a:p>
-            <a:pPr marL="857250" lvl="1" indent="-419100">
-              <a:lnSpc>
-                <a:spcPct val="130000"/>
-              </a:lnSpc>
-              <a:buClr>
-                <a:schemeClr val="dk1"/>
-              </a:buClr>
-              <a:buSzPct val="100000"/>
-              <a:buFont typeface="Arial"/>
-              <a:buChar char="●"/>
-            </a:pPr>
-            <a:r>
-              <a:rPr lang="en-US" sz="2400" dirty="0"/>
-              <a:t>Blogs! </a:t>
-            </a:r>
-            <a:endParaRPr lang="en-US" sz="2400" dirty="0" smtClean="0"/>
-          </a:p>
-          <a:p>
-            <a:pPr marL="1257300" lvl="2" indent="-419100">
-              <a:lnSpc>
-                <a:spcPct val="130000"/>
-              </a:lnSpc>
-              <a:buClr>
-                <a:schemeClr val="dk1"/>
-              </a:buClr>
-              <a:buSzPct val="100000"/>
-              <a:buFont typeface="Arial"/>
-              <a:buChar char="●"/>
-            </a:pPr>
-            <a:r>
-              <a:rPr lang="en-US" sz="2000" dirty="0" smtClean="0"/>
-              <a:t>walshbr.com</a:t>
-            </a:r>
-          </a:p>
-          <a:p>
-            <a:pPr marL="1257300" lvl="2" indent="-419100">
-              <a:lnSpc>
-                <a:spcPct val="130000"/>
-              </a:lnSpc>
-              <a:buClr>
-                <a:schemeClr val="dk1"/>
-              </a:buClr>
-              <a:buSzPct val="100000"/>
-              <a:buFont typeface="Arial"/>
-              <a:buChar char="●"/>
-            </a:pPr>
-            <a:r>
-              <a:rPr lang="en-US" sz="2000" dirty="0" smtClean="0"/>
-              <a:t>scholarslab.org</a:t>
-            </a:r>
-            <a:endParaRPr lang="en-US" sz="2000" dirty="0"/>
-          </a:p>
-          <a:p>
-            <a:pPr marL="438150" lvl="1" indent="0">
-              <a:lnSpc>
-                <a:spcPct val="130000"/>
-              </a:lnSpc>
-              <a:buClr>
-                <a:schemeClr val="dk1"/>
-              </a:buClr>
-              <a:buSzPct val="100000"/>
-              <a:buNone/>
-            </a:pPr>
-            <a:endParaRPr lang="en-US" sz="2400" dirty="0"/>
-          </a:p>
-        </p:txBody>
-      </p:sp>
-    </p:spTree>
-    <p:extLst>
-      <p:ext uri="{BB962C8B-B14F-4D97-AF65-F5344CB8AC3E}">
-        <p14:creationId xmlns:p14="http://schemas.microsoft.com/office/powerpoint/2010/main" val="3884490288"/>
-      </p:ext>
-    </p:extLst>
-  </p:cSld>
-  <p:clrMapOvr>
-    <a:masterClrMapping/>
-  </p:clrMapOvr>
-  <p:transition spd="slow">
-    <p:cut/>
-  </p:transition>
-  <p:timing>
-    <p:tnLst>
-      <p:par>
-        <p:cTn id="1" dur="indefinite" restart="never" nodeType="tmRoot"/>
+        <p:cTn xmlns:p14="http://schemas.microsoft.com/office/powerpoint/2010/main" id="1" dur="indefinite" restart="never" nodeType="tmRoot"/>
       </p:par>
     </p:tnLst>
   </p:timing>
@@ -6783,13 +5202,13 @@
   <p:clrMapOvr>
     <a:masterClrMapping/>
   </p:clrMapOvr>
-  <p:transition spd="slow">
+  <p:transition xmlns:p14="http://schemas.microsoft.com/office/powerpoint/2010/main" spd="slow">
     <p:cut/>
   </p:transition>
   <p:timing>
     <p:tnLst>
       <p:par>
-        <p:cTn id="1" dur="indefinite" restart="never" nodeType="tmRoot"/>
+        <p:cTn xmlns:p14="http://schemas.microsoft.com/office/powerpoint/2010/main" id="1" dur="indefinite" restart="never" nodeType="tmRoot"/>
       </p:par>
     </p:tnLst>
   </p:timing>
@@ -6888,7 +5307,7 @@
   <p:timing>
     <p:tnLst>
       <p:par>
-        <p:cTn id="1" dur="indefinite" restart="never" nodeType="tmRoot"/>
+        <p:cTn xmlns:p14="http://schemas.microsoft.com/office/powerpoint/2010/main" id="1" dur="indefinite" restart="never" nodeType="tmRoot"/>
       </p:par>
     </p:tnLst>
   </p:timing>
@@ -7034,13 +5453,13 @@
   <p:clrMapOvr>
     <a:masterClrMapping/>
   </p:clrMapOvr>
-  <p:transition spd="slow">
+  <p:transition xmlns:p14="http://schemas.microsoft.com/office/powerpoint/2010/main" spd="slow">
     <p:cut/>
   </p:transition>
   <p:timing>
     <p:tnLst>
       <p:par>
-        <p:cTn id="1" dur="indefinite" restart="never" nodeType="tmRoot"/>
+        <p:cTn xmlns:p14="http://schemas.microsoft.com/office/powerpoint/2010/main" id="1" dur="indefinite" restart="never" nodeType="tmRoot"/>
       </p:par>
     </p:tnLst>
   </p:timing>
@@ -7204,13 +5623,13 @@
   <p:clrMapOvr>
     <a:masterClrMapping/>
   </p:clrMapOvr>
-  <p:transition spd="slow">
+  <p:transition xmlns:p14="http://schemas.microsoft.com/office/powerpoint/2010/main" spd="slow">
     <p:cut/>
   </p:transition>
   <p:timing>
     <p:tnLst>
       <p:par>
-        <p:cTn id="1" dur="indefinite" restart="never" nodeType="tmRoot"/>
+        <p:cTn xmlns:p14="http://schemas.microsoft.com/office/powerpoint/2010/main" id="1" dur="indefinite" restart="never" nodeType="tmRoot"/>
       </p:par>
     </p:tnLst>
   </p:timing>
@@ -7376,13 +5795,13 @@
   <p:clrMapOvr>
     <a:masterClrMapping/>
   </p:clrMapOvr>
-  <p:transition spd="slow">
+  <p:transition xmlns:p14="http://schemas.microsoft.com/office/powerpoint/2010/main" spd="slow">
     <p:cut/>
   </p:transition>
   <p:timing>
     <p:tnLst>
       <p:par>
-        <p:cTn id="1" dur="indefinite" restart="never" nodeType="tmRoot"/>
+        <p:cTn xmlns:p14="http://schemas.microsoft.com/office/powerpoint/2010/main" id="1" dur="indefinite" restart="never" nodeType="tmRoot"/>
       </p:par>
     </p:tnLst>
   </p:timing>
@@ -7484,13 +5903,6 @@
   <p:clrMapOvr>
     <a:masterClrMapping/>
   </p:clrMapOvr>
-  <p:timing>
-    <p:tnLst>
-      <p:par>
-        <p:cTn id="1" dur="indefinite" restart="never" nodeType="tmRoot"/>
-      </p:par>
-    </p:tnLst>
-  </p:timing>
 </p:sld>
 </file>
 
@@ -7618,13 +6030,13 @@
   <p:clrMapOvr>
     <a:masterClrMapping/>
   </p:clrMapOvr>
-  <p:transition spd="slow">
+  <p:transition xmlns:p14="http://schemas.microsoft.com/office/powerpoint/2010/main" spd="slow">
     <p:cut/>
   </p:transition>
   <p:timing>
     <p:tnLst>
       <p:par>
-        <p:cTn id="1" dur="indefinite" restart="never" nodeType="tmRoot"/>
+        <p:cTn xmlns:p14="http://schemas.microsoft.com/office/powerpoint/2010/main" id="1" dur="indefinite" restart="never" nodeType="tmRoot"/>
       </p:par>
     </p:tnLst>
   </p:timing>
@@ -7801,13 +6213,13 @@
   <p:clrMapOvr>
     <a:masterClrMapping/>
   </p:clrMapOvr>
-  <p:transition spd="slow">
+  <p:transition xmlns:p14="http://schemas.microsoft.com/office/powerpoint/2010/main" spd="slow">
     <p:cut/>
   </p:transition>
   <p:timing>
     <p:tnLst>
       <p:par>
-        <p:cTn id="1" dur="indefinite" restart="never" nodeType="tmRoot"/>
+        <p:cTn xmlns:p14="http://schemas.microsoft.com/office/powerpoint/2010/main" id="1" dur="indefinite" restart="never" nodeType="tmRoot"/>
       </p:par>
     </p:tnLst>
   </p:timing>
